--- a/CS5430Kryptose.pptx
+++ b/CS5430Kryptose.pptx
@@ -5,20 +5,22 @@
     <p:sldMasterId id="2147483673" r:id="rId1"/>
   </p:sldMasterIdLst>
   <p:notesMasterIdLst>
-    <p:notesMasterId r:id="rId13"/>
+    <p:notesMasterId r:id="rId15"/>
   </p:notesMasterIdLst>
   <p:sldIdLst>
     <p:sldId id="257" r:id="rId2"/>
-    <p:sldId id="268" r:id="rId3"/>
-    <p:sldId id="269" r:id="rId4"/>
-    <p:sldId id="270" r:id="rId5"/>
-    <p:sldId id="271" r:id="rId6"/>
-    <p:sldId id="259" r:id="rId7"/>
-    <p:sldId id="274" r:id="rId8"/>
-    <p:sldId id="273" r:id="rId9"/>
-    <p:sldId id="275" r:id="rId10"/>
-    <p:sldId id="272" r:id="rId11"/>
-    <p:sldId id="260" r:id="rId12"/>
+    <p:sldId id="280" r:id="rId3"/>
+    <p:sldId id="285" r:id="rId4"/>
+    <p:sldId id="259" r:id="rId5"/>
+    <p:sldId id="274" r:id="rId6"/>
+    <p:sldId id="275" r:id="rId7"/>
+    <p:sldId id="278" r:id="rId8"/>
+    <p:sldId id="284" r:id="rId9"/>
+    <p:sldId id="281" r:id="rId10"/>
+    <p:sldId id="283" r:id="rId11"/>
+    <p:sldId id="282" r:id="rId12"/>
+    <p:sldId id="272" r:id="rId13"/>
+    <p:sldId id="260" r:id="rId14"/>
   </p:sldIdLst>
   <p:sldSz cx="12192000" cy="6858000"/>
   <p:notesSz cx="6858000" cy="9144000"/>
@@ -207,7 +209,7 @@
           <a:p>
             <a:fld id="{864D5A96-EF42-4955-98FA-213D4E8C1B0B}" type="datetimeFigureOut">
               <a:rPr lang="en-US" smtClean="0"/>
-              <a:t>5/1/2015</a:t>
+              <a:t>5/3/2015</a:t>
             </a:fld>
             <a:endParaRPr lang="en-US"/>
           </a:p>
@@ -788,9 +790,9 @@
           <a:bodyPr/>
           <a:lstStyle/>
           <a:p>
-            <a:fld id="{8F957513-3D5B-45E0-A5A5-E7D4B8D4B3FD}" type="datetime1">
-              <a:rPr lang="en-US" smtClean="0"/>
-              <a:t>5/1/2015</a:t>
+            <a:fld id="{C5FDFCA9-91C2-4E9B-951B-984F716EFC2B}" type="datetime1">
+              <a:rPr lang="en-US" smtClean="0"/>
+              <a:t>5/3/2015</a:t>
             </a:fld>
             <a:endParaRPr lang="en-US" dirty="0"/>
           </a:p>
@@ -813,7 +815,7 @@
           <a:p>
             <a:r>
               <a:rPr lang="en-US" smtClean="0"/>
-              <a:t>Continuous authentication with decision fusion</a:t>
+              <a:t>Kryptose™</a:t>
             </a:r>
             <a:endParaRPr lang="en-US" dirty="0"/>
           </a:p>
@@ -1000,9 +1002,9 @@
           <a:bodyPr/>
           <a:lstStyle/>
           <a:p>
-            <a:fld id="{11CDBFD8-9635-4579-A5E9-E8AAF1136BCF}" type="datetime1">
-              <a:rPr lang="en-US" smtClean="0"/>
-              <a:t>5/1/2015</a:t>
+            <a:fld id="{240317FD-B74F-470F-9E09-68B644A8DE31}" type="datetime1">
+              <a:rPr lang="en-US" smtClean="0"/>
+              <a:t>5/3/2015</a:t>
             </a:fld>
             <a:endParaRPr lang="en-US" dirty="0"/>
           </a:p>
@@ -1025,7 +1027,7 @@
           <a:p>
             <a:r>
               <a:rPr lang="en-US" smtClean="0"/>
-              <a:t>Continuous authentication with decision fusion</a:t>
+              <a:t>Kryptose™</a:t>
             </a:r>
             <a:endParaRPr lang="en-US" dirty="0"/>
           </a:p>
@@ -1260,9 +1262,9 @@
           <a:bodyPr/>
           <a:lstStyle/>
           <a:p>
-            <a:fld id="{478CE31B-46C2-4079-9F3D-99AA4AEEA8A2}" type="datetime1">
-              <a:rPr lang="en-US" smtClean="0"/>
-              <a:t>5/1/2015</a:t>
+            <a:fld id="{A829F64D-FB8E-4D18-A654-C4CFD8651389}" type="datetime1">
+              <a:rPr lang="en-US" smtClean="0"/>
+              <a:t>5/3/2015</a:t>
             </a:fld>
             <a:endParaRPr lang="en-US" dirty="0"/>
           </a:p>
@@ -1285,7 +1287,7 @@
           <a:p>
             <a:r>
               <a:rPr lang="en-US" smtClean="0"/>
-              <a:t>Continuous authentication with decision fusion</a:t>
+              <a:t>Kryptose™</a:t>
             </a:r>
             <a:endParaRPr lang="en-US" dirty="0"/>
           </a:p>
@@ -1434,9 +1436,9 @@
           <a:bodyPr/>
           <a:lstStyle/>
           <a:p>
-            <a:fld id="{44B727C5-8CD6-495A-9E57-C53CB1D1733C}" type="datetime1">
-              <a:rPr lang="en-US" smtClean="0"/>
-              <a:t>5/1/2015</a:t>
+            <a:fld id="{BD88D52D-B142-43ED-B0B2-B3309C459004}" type="datetime1">
+              <a:rPr lang="en-US" smtClean="0"/>
+              <a:t>5/3/2015</a:t>
             </a:fld>
             <a:endParaRPr lang="en-US" dirty="0"/>
           </a:p>
@@ -1459,7 +1461,7 @@
           <a:p>
             <a:r>
               <a:rPr lang="en-US" smtClean="0"/>
-              <a:t>Continuous authentication with decision fusion</a:t>
+              <a:t>Kryptose™</a:t>
             </a:r>
             <a:endParaRPr lang="en-US" dirty="0"/>
           </a:p>
@@ -1781,9 +1783,9 @@
           <a:bodyPr/>
           <a:lstStyle/>
           <a:p>
-            <a:fld id="{AB7C7EDD-E6F4-4D26-B08F-1D546FE5B31C}" type="datetime1">
-              <a:rPr lang="en-US" smtClean="0"/>
-              <a:t>5/1/2015</a:t>
+            <a:fld id="{2463185B-A016-4DC6-B6A6-A042FE142453}" type="datetime1">
+              <a:rPr lang="en-US" smtClean="0"/>
+              <a:t>5/3/2015</a:t>
             </a:fld>
             <a:endParaRPr lang="en-US" dirty="0"/>
           </a:p>
@@ -1806,7 +1808,7 @@
           <a:p>
             <a:r>
               <a:rPr lang="en-US" smtClean="0"/>
-              <a:t>Continuous authentication with decision fusion</a:t>
+              <a:t>Kryptose™</a:t>
             </a:r>
             <a:endParaRPr lang="en-US" dirty="0"/>
           </a:p>
@@ -2060,9 +2062,9 @@
           <a:bodyPr/>
           <a:lstStyle/>
           <a:p>
-            <a:fld id="{0E421DDE-B222-44F4-BFD3-2E577D1E34EE}" type="datetime1">
-              <a:rPr lang="en-US" smtClean="0"/>
-              <a:t>5/1/2015</a:t>
+            <a:fld id="{7CA428AA-E34A-4629-904C-DE24A794CFAA}" type="datetime1">
+              <a:rPr lang="en-US" smtClean="0"/>
+              <a:t>5/3/2015</a:t>
             </a:fld>
             <a:endParaRPr lang="en-US" dirty="0"/>
           </a:p>
@@ -2085,7 +2087,7 @@
           <a:p>
             <a:r>
               <a:rPr lang="en-US" smtClean="0"/>
-              <a:t>Continuous authentication with decision fusion</a:t>
+              <a:t>Kryptose™</a:t>
             </a:r>
             <a:endParaRPr lang="en-US" dirty="0"/>
           </a:p>
@@ -2443,9 +2445,9 @@
           <a:bodyPr/>
           <a:lstStyle/>
           <a:p>
-            <a:fld id="{B57FF950-07DC-431B-A1C1-89ED13A9496F}" type="datetime1">
-              <a:rPr lang="en-US" smtClean="0"/>
-              <a:t>5/1/2015</a:t>
+            <a:fld id="{50AACC7F-1759-4007-9C29-011F51AA7A6F}" type="datetime1">
+              <a:rPr lang="en-US" smtClean="0"/>
+              <a:t>5/3/2015</a:t>
             </a:fld>
             <a:endParaRPr lang="en-US" dirty="0"/>
           </a:p>
@@ -2468,7 +2470,7 @@
           <a:p>
             <a:r>
               <a:rPr lang="en-US" smtClean="0"/>
-              <a:t>Continuous authentication with decision fusion</a:t>
+              <a:t>Kryptose™</a:t>
             </a:r>
             <a:endParaRPr lang="en-US" dirty="0"/>
           </a:p>
@@ -2565,9 +2567,9 @@
           <a:bodyPr/>
           <a:lstStyle/>
           <a:p>
-            <a:fld id="{D2D86D35-91B4-4CDD-978D-901C327CBBB4}" type="datetime1">
-              <a:rPr lang="en-US" smtClean="0"/>
-              <a:t>5/1/2015</a:t>
+            <a:fld id="{77359099-2666-40E4-8995-753FB4082671}" type="datetime1">
+              <a:rPr lang="en-US" smtClean="0"/>
+              <a:t>5/3/2015</a:t>
             </a:fld>
             <a:endParaRPr lang="en-US" dirty="0"/>
           </a:p>
@@ -2590,7 +2592,7 @@
           <a:p>
             <a:r>
               <a:rPr lang="en-US" smtClean="0"/>
-              <a:t>Continuous authentication with decision fusion</a:t>
+              <a:t>Kryptose™</a:t>
             </a:r>
             <a:endParaRPr lang="en-US" dirty="0"/>
           </a:p>
@@ -2740,9 +2742,9 @@
           <a:bodyPr/>
           <a:lstStyle/>
           <a:p>
-            <a:fld id="{66074CF7-14B3-469B-8F4C-D57A3A051EDF}" type="datetime1">
-              <a:rPr lang="en-US" smtClean="0"/>
-              <a:t>5/1/2015</a:t>
+            <a:fld id="{27E60B3B-123D-44EF-BDCD-C3ED44CFEA55}" type="datetime1">
+              <a:rPr lang="en-US" smtClean="0"/>
+              <a:t>5/3/2015</a:t>
             </a:fld>
             <a:endParaRPr lang="en-US" dirty="0"/>
           </a:p>
@@ -2773,7 +2775,7 @@
           <a:p>
             <a:r>
               <a:rPr lang="en-US" smtClean="0"/>
-              <a:t>Continuous authentication with decision fusion</a:t>
+              <a:t>Kryptose™</a:t>
             </a:r>
             <a:endParaRPr lang="en-US" dirty="0"/>
           </a:p>
@@ -3099,9 +3101,9 @@
             </a:lvl1pPr>
           </a:lstStyle>
           <a:p>
-            <a:fld id="{06315AF9-22F1-4437-8B55-AC54E66CFCBA}" type="datetime1">
-              <a:rPr lang="en-US" smtClean="0"/>
-              <a:t>5/1/2015</a:t>
+            <a:fld id="{17F19A44-D65B-42F5-A8B9-0E9D3F59989D}" type="datetime1">
+              <a:rPr lang="en-US" smtClean="0"/>
+              <a:t>5/3/2015</a:t>
             </a:fld>
             <a:endParaRPr lang="en-US" dirty="0"/>
           </a:p>
@@ -3137,7 +3139,7 @@
           <a:p>
             <a:r>
               <a:rPr lang="en-US" smtClean="0"/>
-              <a:t>Continuous authentication with decision fusion</a:t>
+              <a:t>Kryptose™</a:t>
             </a:r>
             <a:endParaRPr lang="en-US" dirty="0"/>
           </a:p>
@@ -3481,9 +3483,9 @@
           <a:bodyPr/>
           <a:lstStyle/>
           <a:p>
-            <a:fld id="{ACD2F331-F75E-4717-9D57-DEAE1976CD12}" type="datetime1">
-              <a:rPr lang="en-US" smtClean="0"/>
-              <a:t>5/1/2015</a:t>
+            <a:fld id="{DDAD3BB6-B955-4925-AFF2-26CD2F68C36B}" type="datetime1">
+              <a:rPr lang="en-US" smtClean="0"/>
+              <a:t>5/3/2015</a:t>
             </a:fld>
             <a:endParaRPr lang="en-US" dirty="0"/>
           </a:p>
@@ -3506,7 +3508,7 @@
           <a:p>
             <a:r>
               <a:rPr lang="en-US" smtClean="0"/>
-              <a:t>Continuous authentication with decision fusion</a:t>
+              <a:t>Kryptose™</a:t>
             </a:r>
             <a:endParaRPr lang="en-US" dirty="0"/>
           </a:p>
@@ -3772,9 +3774,9 @@
             </a:lvl1pPr>
           </a:lstStyle>
           <a:p>
-            <a:fld id="{1E3B2D69-A584-4DF0-B538-8D133CBE93E6}" type="datetime1">
-              <a:rPr lang="en-US" smtClean="0"/>
-              <a:t>5/1/2015</a:t>
+            <a:fld id="{75338148-4B23-419E-B575-D6FA9E532C5D}" type="datetime1">
+              <a:rPr lang="en-US" smtClean="0"/>
+              <a:t>5/3/2015</a:t>
             </a:fld>
             <a:endParaRPr lang="en-US" dirty="0"/>
           </a:p>
@@ -3813,7 +3815,7 @@
           <a:p>
             <a:r>
               <a:rPr lang="en-US" smtClean="0"/>
-              <a:t>Continuous authentication with decision fusion</a:t>
+              <a:t>Kryptose™</a:t>
             </a:r>
             <a:endParaRPr lang="en-US" dirty="0"/>
           </a:p>
@@ -4482,10 +4484,13 @@
           <a:lstStyle/>
           <a:p>
             <a:r>
-              <a:rPr lang="en-US" dirty="0" smtClean="0"/>
-              <a:t>Continuous authentication with decision fusion</a:t>
-            </a:r>
-            <a:endParaRPr lang="en-US" dirty="0"/>
+              <a:rPr lang="en-US" dirty="0" err="1"/>
+              <a:t>Kryptose</a:t>
+            </a:r>
+            <a:r>
+              <a:rPr lang="en-US" dirty="0"/>
+              <a:t>™</a:t>
+            </a:r>
           </a:p>
         </p:txBody>
       </p:sp>
@@ -4622,18 +4627,12 @@
         </p:nvSpPr>
         <p:spPr/>
         <p:txBody>
-          <a:bodyPr>
-            <a:normAutofit/>
-          </a:bodyPr>
-          <a:lstStyle/>
-          <a:p>
-            <a:r>
-              <a:rPr lang="en-US" dirty="0"/>
-              <a:t>How your project incorporates each of the essential security elements</a:t>
-            </a:r>
+          <a:bodyPr/>
+          <a:lstStyle/>
+          <a:p>
             <a:r>
               <a:rPr lang="en-US" dirty="0" smtClean="0"/>
-              <a:t>.</a:t>
+              <a:t>Technical Limitations….</a:t>
             </a:r>
             <a:endParaRPr lang="en-US" dirty="0"/>
           </a:p>
@@ -4649,33 +4648,101 @@
             <p:ph idx="1"/>
           </p:nvPr>
         </p:nvSpPr>
+        <p:spPr>
+          <a:xfrm>
+            <a:off x="1097280" y="1845734"/>
+            <a:ext cx="6091171" cy="4023360"/>
+          </a:xfrm>
+        </p:spPr>
+        <p:txBody>
+          <a:bodyPr/>
+          <a:lstStyle/>
+          <a:p>
+            <a:pPr lvl="1"/>
+            <a:r>
+              <a:rPr lang="en-US" sz="2400" dirty="0"/>
+              <a:t>Java DOES NOT </a:t>
+            </a:r>
+            <a:r>
+              <a:rPr lang="en-US" sz="2400" dirty="0" smtClean="0"/>
+              <a:t>guarantee </a:t>
+            </a:r>
+            <a:r>
+              <a:rPr lang="en-US" sz="2400" dirty="0"/>
+              <a:t>to </a:t>
+            </a:r>
+            <a:r>
+              <a:rPr lang="en-US" sz="2400" dirty="0" smtClean="0"/>
+              <a:t>clear memory.</a:t>
+            </a:r>
+          </a:p>
+          <a:p>
+            <a:pPr lvl="1"/>
+            <a:r>
+              <a:rPr lang="en-US" sz="2400" dirty="0" smtClean="0"/>
+              <a:t>No CRL check during SSL communication</a:t>
+            </a:r>
+          </a:p>
+          <a:p>
+            <a:pPr lvl="1"/>
+            <a:r>
+              <a:rPr lang="en-US" sz="2400" dirty="0" smtClean="0"/>
+              <a:t>No hostname validation (not a problem)</a:t>
+            </a:r>
+          </a:p>
+          <a:p>
+            <a:pPr lvl="1"/>
+            <a:r>
+              <a:rPr lang="en-US" sz="2400" dirty="0" smtClean="0"/>
+              <a:t>PBKDF2 is (slightly) vulnerable to attacks with specialized hardware (a new standard is on its way)</a:t>
+            </a:r>
+          </a:p>
+          <a:p>
+            <a:pPr lvl="1"/>
+            <a:r>
+              <a:rPr lang="en-US" sz="2400" dirty="0" smtClean="0"/>
+              <a:t>No offline functionality</a:t>
+            </a:r>
+          </a:p>
+          <a:p>
+            <a:pPr lvl="1"/>
+            <a:r>
+              <a:rPr lang="en-US" sz="2400" dirty="0" smtClean="0"/>
+              <a:t>No protection against attacks to </a:t>
+            </a:r>
+            <a:r>
+              <a:rPr lang="en-US" sz="2400" dirty="0" smtClean="0"/>
+              <a:t>Availability</a:t>
+            </a:r>
+          </a:p>
+          <a:p>
+            <a:pPr lvl="1"/>
+            <a:r>
+              <a:rPr lang="en-US" sz="2400" dirty="0" smtClean="0"/>
+              <a:t>Server logs can leak access patterns and usage habits to a malicious sys admin</a:t>
+            </a:r>
+            <a:endParaRPr lang="en-US" sz="2400" dirty="0" smtClean="0"/>
+          </a:p>
+        </p:txBody>
+      </p:sp>
+      <p:sp>
+        <p:nvSpPr>
+          <p:cNvPr id="4" name="Footer Placeholder 3"/>
+          <p:cNvSpPr>
+            <a:spLocks noGrp="1"/>
+          </p:cNvSpPr>
+          <p:nvPr>
+            <p:ph type="ftr" sz="quarter" idx="11"/>
+          </p:nvPr>
+        </p:nvSpPr>
         <p:spPr/>
         <p:txBody>
           <a:bodyPr/>
           <a:lstStyle/>
           <a:p>
-            <a:endParaRPr lang="en-US" dirty="0"/>
-          </a:p>
-        </p:txBody>
-      </p:sp>
-      <p:sp>
-        <p:nvSpPr>
-          <p:cNvPr id="4" name="Footer Placeholder 3"/>
-          <p:cNvSpPr>
-            <a:spLocks noGrp="1"/>
-          </p:cNvSpPr>
-          <p:nvPr>
-            <p:ph type="ftr" sz="quarter" idx="11"/>
-          </p:nvPr>
-        </p:nvSpPr>
-        <p:spPr/>
-        <p:txBody>
-          <a:bodyPr/>
-          <a:lstStyle/>
-          <a:p>
-            <a:r>
-              <a:rPr lang="en-US" smtClean="0"/>
-              <a:t>Continuous authentication with decision fusion</a:t>
+            <a:r>
+              <a:rPr lang="en-US" smtClean="0"/>
+              <a:t>Kryptose™</a:t>
             </a:r>
             <a:endParaRPr lang="en-US" dirty="0"/>
           </a:p>
@@ -4704,10 +4771,40 @@
           </a:p>
         </p:txBody>
       </p:sp>
+      <p:pic>
+        <p:nvPicPr>
+          <p:cNvPr id="6" name="Picture 5"/>
+          <p:cNvPicPr>
+            <a:picLocks noChangeAspect="1"/>
+          </p:cNvPicPr>
+          <p:nvPr/>
+        </p:nvPicPr>
+        <p:blipFill>
+          <a:blip r:embed="rId2">
+            <a:extLst>
+              <a:ext uri="{28A0092B-C50C-407E-A947-70E740481C1C}">
+                <a14:useLocalDpi xmlns:a14="http://schemas.microsoft.com/office/drawing/2010/main" val="0"/>
+              </a:ext>
+            </a:extLst>
+          </a:blip>
+          <a:stretch>
+            <a:fillRect/>
+          </a:stretch>
+        </p:blipFill>
+        <p:spPr>
+          <a:xfrm>
+            <a:off x="7175488" y="1994308"/>
+            <a:ext cx="4704407" cy="3528305"/>
+          </a:xfrm>
+          <a:prstGeom prst="rect">
+            <a:avLst/>
+          </a:prstGeom>
+        </p:spPr>
+      </p:pic>
     </p:spTree>
     <p:extLst>
       <p:ext uri="{BB962C8B-B14F-4D97-AF65-F5344CB8AC3E}">
-        <p14:creationId xmlns:p14="http://schemas.microsoft.com/office/powerpoint/2010/main" val="368803834"/>
+        <p14:creationId xmlns:p14="http://schemas.microsoft.com/office/powerpoint/2010/main" val="994260646"/>
       </p:ext>
     </p:extLst>
   </p:cSld>
@@ -4758,15 +4855,44 @@
           <a:p>
             <a:r>
               <a:rPr lang="en-US" dirty="0" smtClean="0"/>
-              <a:t>Thanks!</a:t>
-            </a:r>
-            <a:endParaRPr lang="en-US" dirty="0"/>
-          </a:p>
-        </p:txBody>
-      </p:sp>
-      <p:sp>
-        <p:nvSpPr>
-          <p:cNvPr id="3" name="Footer Placeholder 2"/>
+              <a:t>More Limitations…..</a:t>
+            </a:r>
+            <a:endParaRPr lang="en-US" dirty="0"/>
+          </a:p>
+        </p:txBody>
+      </p:sp>
+      <p:pic>
+        <p:nvPicPr>
+          <p:cNvPr id="6" name="Content Placeholder 5"/>
+          <p:cNvPicPr>
+            <a:picLocks noGrp="1" noChangeAspect="1"/>
+          </p:cNvPicPr>
+          <p:nvPr>
+            <p:ph idx="1"/>
+          </p:nvPr>
+        </p:nvPicPr>
+        <p:blipFill>
+          <a:blip r:embed="rId2">
+            <a:extLst>
+              <a:ext uri="{28A0092B-C50C-407E-A947-70E740481C1C}">
+                <a14:useLocalDpi xmlns:a14="http://schemas.microsoft.com/office/drawing/2010/main" val="0"/>
+              </a:ext>
+            </a:extLst>
+          </a:blip>
+          <a:stretch>
+            <a:fillRect/>
+          </a:stretch>
+        </p:blipFill>
+        <p:spPr>
+          <a:xfrm>
+            <a:off x="1927485" y="1821129"/>
+            <a:ext cx="7307050" cy="4469043"/>
+          </a:xfrm>
+        </p:spPr>
+      </p:pic>
+      <p:sp>
+        <p:nvSpPr>
+          <p:cNvPr id="4" name="Footer Placeholder 3"/>
           <p:cNvSpPr>
             <a:spLocks noGrp="1"/>
           </p:cNvSpPr>
@@ -4781,15 +4907,15 @@
           <a:p>
             <a:r>
               <a:rPr lang="en-US" smtClean="0"/>
-              <a:t>Continuous authentication with decision fusion</a:t>
-            </a:r>
-            <a:endParaRPr lang="en-US" dirty="0"/>
-          </a:p>
-        </p:txBody>
-      </p:sp>
-      <p:sp>
-        <p:nvSpPr>
-          <p:cNvPr id="4" name="Slide Number Placeholder 3"/>
+              <a:t>Kryptose™</a:t>
+            </a:r>
+            <a:endParaRPr lang="en-US" dirty="0"/>
+          </a:p>
+        </p:txBody>
+      </p:sp>
+      <p:sp>
+        <p:nvSpPr>
+          <p:cNvPr id="5" name="Slide Number Placeholder 4"/>
           <p:cNvSpPr>
             <a:spLocks noGrp="1"/>
           </p:cNvSpPr>
@@ -4802,7 +4928,7 @@
           <a:bodyPr/>
           <a:lstStyle/>
           <a:p>
-            <a:fld id="{4FAB73BC-B049-4115-A692-8D63A059BFB8}" type="slidenum">
+            <a:fld id="{4CE482DC-2269-4F26-9D2A-7E44B1A4CD85}" type="slidenum">
               <a:rPr lang="en-US" smtClean="0"/>
               <a:t>11</a:t>
             </a:fld>
@@ -4810,6 +4936,419 @@
           </a:p>
         </p:txBody>
       </p:sp>
+    </p:spTree>
+    <p:extLst>
+      <p:ext uri="{BB962C8B-B14F-4D97-AF65-F5344CB8AC3E}">
+        <p14:creationId xmlns:p14="http://schemas.microsoft.com/office/powerpoint/2010/main" val="319793588"/>
+      </p:ext>
+    </p:extLst>
+  </p:cSld>
+  <p:clrMapOvr>
+    <a:masterClrMapping/>
+  </p:clrMapOvr>
+  <p:timing>
+    <p:tnLst>
+      <p:par>
+        <p:cTn id="1" dur="indefinite" restart="never" nodeType="tmRoot"/>
+      </p:par>
+    </p:tnLst>
+  </p:timing>
+</p:sld>
+</file>
+
+<file path=ppt/slides/slide12.xml><?xml version="1.0" encoding="utf-8"?>
+<p:sld xmlns:a="http://schemas.openxmlformats.org/drawingml/2006/main" xmlns:r="http://schemas.openxmlformats.org/officeDocument/2006/relationships" xmlns:p="http://schemas.openxmlformats.org/presentationml/2006/main">
+  <p:cSld>
+    <p:spTree>
+      <p:nvGrpSpPr>
+        <p:cNvPr id="1" name=""/>
+        <p:cNvGrpSpPr/>
+        <p:nvPr/>
+      </p:nvGrpSpPr>
+      <p:grpSpPr>
+        <a:xfrm>
+          <a:off x="0" y="0"/>
+          <a:ext cx="0" cy="0"/>
+          <a:chOff x="0" y="0"/>
+          <a:chExt cx="0" cy="0"/>
+        </a:xfrm>
+      </p:grpSpPr>
+      <p:sp>
+        <p:nvSpPr>
+          <p:cNvPr id="2" name="Title 1"/>
+          <p:cNvSpPr>
+            <a:spLocks noGrp="1"/>
+          </p:cNvSpPr>
+          <p:nvPr>
+            <p:ph type="title"/>
+          </p:nvPr>
+        </p:nvSpPr>
+        <p:spPr/>
+        <p:txBody>
+          <a:bodyPr>
+            <a:normAutofit/>
+          </a:bodyPr>
+          <a:lstStyle/>
+          <a:p>
+            <a:r>
+              <a:rPr lang="en-US" dirty="0" smtClean="0"/>
+              <a:t>Security </a:t>
+            </a:r>
+            <a:r>
+              <a:rPr lang="en-US" dirty="0" smtClean="0"/>
+              <a:t>Elements </a:t>
+            </a:r>
+            <a:endParaRPr lang="en-US" dirty="0"/>
+          </a:p>
+        </p:txBody>
+      </p:sp>
+      <p:sp>
+        <p:nvSpPr>
+          <p:cNvPr id="3" name="Content Placeholder 2"/>
+          <p:cNvSpPr>
+            <a:spLocks noGrp="1"/>
+          </p:cNvSpPr>
+          <p:nvPr>
+            <p:ph idx="1"/>
+          </p:nvPr>
+        </p:nvSpPr>
+        <p:spPr/>
+        <p:txBody>
+          <a:bodyPr>
+            <a:normAutofit/>
+          </a:bodyPr>
+          <a:lstStyle/>
+          <a:p>
+            <a:pPr lvl="1"/>
+            <a:r>
+              <a:rPr lang="en-US" sz="2000" dirty="0">
+                <a:solidFill>
+                  <a:srgbClr val="00B050"/>
+                </a:solidFill>
+              </a:rPr>
+              <a:t>Authentication</a:t>
+            </a:r>
+            <a:r>
+              <a:rPr lang="en-US" sz="2000" dirty="0" smtClean="0">
+                <a:solidFill>
+                  <a:srgbClr val="00B050"/>
+                </a:solidFill>
+              </a:rPr>
+              <a:t>:</a:t>
+            </a:r>
+            <a:r>
+              <a:rPr lang="en-US" sz="2000" dirty="0" smtClean="0"/>
+              <a:t> </a:t>
+            </a:r>
+            <a:r>
+              <a:rPr lang="en-US" sz="2000" dirty="0" smtClean="0"/>
+              <a:t>The use of an </a:t>
+            </a:r>
+            <a:r>
+              <a:rPr lang="en-US" sz="2000" dirty="0" smtClean="0">
+                <a:solidFill>
+                  <a:srgbClr val="00B050"/>
+                </a:solidFill>
+              </a:rPr>
+              <a:t>authentication key</a:t>
+            </a:r>
+            <a:r>
+              <a:rPr lang="en-US" sz="2000" dirty="0" smtClean="0"/>
+              <a:t> (derived from a Master </a:t>
+            </a:r>
+            <a:r>
+              <a:rPr lang="en-US" sz="2000" dirty="0" smtClean="0"/>
+              <a:t>Password only known to the user) ensures that only the intended principals can access their own credentials. </a:t>
+            </a:r>
+            <a:br>
+              <a:rPr lang="en-US" sz="2000" dirty="0" smtClean="0"/>
+            </a:br>
+            <a:r>
+              <a:rPr lang="en-US" sz="2000" dirty="0" smtClean="0"/>
+              <a:t>Logs are protected by a key known to the administrator and not stored in the system.</a:t>
+            </a:r>
+            <a:endParaRPr lang="en-US" sz="2000" dirty="0" smtClean="0"/>
+          </a:p>
+          <a:p>
+            <a:pPr lvl="1"/>
+            <a:r>
+              <a:rPr lang="en-US" sz="2000" dirty="0" smtClean="0">
+                <a:solidFill>
+                  <a:srgbClr val="00B050"/>
+                </a:solidFill>
+              </a:rPr>
+              <a:t>Authorization:</a:t>
+            </a:r>
+            <a:r>
+              <a:rPr lang="en-US" sz="2000" dirty="0" smtClean="0"/>
+              <a:t> </a:t>
+            </a:r>
+            <a:r>
+              <a:rPr lang="en-US" sz="2000" dirty="0" smtClean="0"/>
+              <a:t>A reference monitor (UserTable.java) analyzes all requests before they are handled to guarantee. </a:t>
+            </a:r>
+            <a:endParaRPr lang="en-US" sz="2000" dirty="0" smtClean="0"/>
+          </a:p>
+          <a:p>
+            <a:pPr lvl="1"/>
+            <a:r>
+              <a:rPr lang="en-US" sz="2000" dirty="0" smtClean="0">
+                <a:solidFill>
+                  <a:srgbClr val="00B050"/>
+                </a:solidFill>
+              </a:rPr>
+              <a:t>Audit</a:t>
+            </a:r>
+            <a:r>
+              <a:rPr lang="en-US" sz="2000" dirty="0">
+                <a:solidFill>
+                  <a:srgbClr val="00B050"/>
+                </a:solidFill>
+              </a:rPr>
+              <a:t>:</a:t>
+            </a:r>
+            <a:r>
+              <a:rPr lang="en-US" sz="2000" dirty="0"/>
+              <a:t> </a:t>
+            </a:r>
+            <a:r>
+              <a:rPr lang="en-US" sz="2000" dirty="0" smtClean="0"/>
+              <a:t>Tamperproof server </a:t>
+            </a:r>
+            <a:r>
+              <a:rPr lang="en-US" sz="2000" dirty="0" smtClean="0"/>
+              <a:t>logs </a:t>
+            </a:r>
+            <a:r>
+              <a:rPr lang="en-US" sz="2000" dirty="0" smtClean="0"/>
+              <a:t>contain all the requests received by the server, with data on the principals making those </a:t>
+            </a:r>
+            <a:r>
+              <a:rPr lang="en-US" sz="2000" dirty="0" smtClean="0"/>
+              <a:t>requests</a:t>
+            </a:r>
+            <a:r>
+              <a:rPr lang="en-US" sz="2000" dirty="0" smtClean="0"/>
+              <a:t>.</a:t>
+            </a:r>
+            <a:endParaRPr lang="en-US" sz="2000" dirty="0" smtClean="0"/>
+          </a:p>
+          <a:p>
+            <a:pPr lvl="1"/>
+            <a:r>
+              <a:rPr lang="en-US" sz="2000" dirty="0" smtClean="0">
+                <a:solidFill>
+                  <a:srgbClr val="00B050"/>
+                </a:solidFill>
+              </a:rPr>
+              <a:t>Confidentiality/Integrity </a:t>
+            </a:r>
+            <a:r>
+              <a:rPr lang="en-US" sz="2000" dirty="0">
+                <a:solidFill>
+                  <a:srgbClr val="00B050"/>
+                </a:solidFill>
+              </a:rPr>
+              <a:t>:</a:t>
+            </a:r>
+            <a:r>
+              <a:rPr lang="en-US" sz="2000" dirty="0" smtClean="0"/>
+              <a:t> </a:t>
+            </a:r>
+            <a:r>
+              <a:rPr lang="en-US" sz="2000" dirty="0" smtClean="0"/>
+              <a:t>Stored </a:t>
+            </a:r>
+            <a:r>
+              <a:rPr lang="en-US" sz="2000" dirty="0" smtClean="0"/>
+              <a:t>credentials are encrypted and can only be read by the user.</a:t>
+            </a:r>
+            <a:endParaRPr lang="en-US" sz="2000" dirty="0" smtClean="0"/>
+          </a:p>
+        </p:txBody>
+      </p:sp>
+      <p:sp>
+        <p:nvSpPr>
+          <p:cNvPr id="4" name="Footer Placeholder 3"/>
+          <p:cNvSpPr>
+            <a:spLocks noGrp="1"/>
+          </p:cNvSpPr>
+          <p:nvPr>
+            <p:ph type="ftr" sz="quarter" idx="11"/>
+          </p:nvPr>
+        </p:nvSpPr>
+        <p:spPr/>
+        <p:txBody>
+          <a:bodyPr/>
+          <a:lstStyle/>
+          <a:p>
+            <a:r>
+              <a:rPr lang="en-US" smtClean="0"/>
+              <a:t>Kryptose™</a:t>
+            </a:r>
+            <a:endParaRPr lang="en-US" dirty="0"/>
+          </a:p>
+        </p:txBody>
+      </p:sp>
+      <p:sp>
+        <p:nvSpPr>
+          <p:cNvPr id="5" name="Slide Number Placeholder 4"/>
+          <p:cNvSpPr>
+            <a:spLocks noGrp="1"/>
+          </p:cNvSpPr>
+          <p:nvPr>
+            <p:ph type="sldNum" sz="quarter" idx="12"/>
+          </p:nvPr>
+        </p:nvSpPr>
+        <p:spPr/>
+        <p:txBody>
+          <a:bodyPr/>
+          <a:lstStyle/>
+          <a:p>
+            <a:fld id="{4CE482DC-2269-4F26-9D2A-7E44B1A4CD85}" type="slidenum">
+              <a:rPr lang="en-US" smtClean="0"/>
+              <a:t>12</a:t>
+            </a:fld>
+            <a:endParaRPr lang="en-US" dirty="0"/>
+          </a:p>
+        </p:txBody>
+      </p:sp>
+    </p:spTree>
+    <p:extLst>
+      <p:ext uri="{BB962C8B-B14F-4D97-AF65-F5344CB8AC3E}">
+        <p14:creationId xmlns:p14="http://schemas.microsoft.com/office/powerpoint/2010/main" val="368803834"/>
+      </p:ext>
+    </p:extLst>
+  </p:cSld>
+  <p:clrMapOvr>
+    <a:masterClrMapping/>
+  </p:clrMapOvr>
+  <p:timing>
+    <p:tnLst>
+      <p:par>
+        <p:cTn id="1" dur="indefinite" restart="never" nodeType="tmRoot"/>
+      </p:par>
+    </p:tnLst>
+  </p:timing>
+</p:sld>
+</file>
+
+<file path=ppt/slides/slide13.xml><?xml version="1.0" encoding="utf-8"?>
+<p:sld xmlns:a="http://schemas.openxmlformats.org/drawingml/2006/main" xmlns:r="http://schemas.openxmlformats.org/officeDocument/2006/relationships" xmlns:p="http://schemas.openxmlformats.org/presentationml/2006/main">
+  <p:cSld>
+    <p:spTree>
+      <p:nvGrpSpPr>
+        <p:cNvPr id="1" name=""/>
+        <p:cNvGrpSpPr/>
+        <p:nvPr/>
+      </p:nvGrpSpPr>
+      <p:grpSpPr>
+        <a:xfrm>
+          <a:off x="0" y="0"/>
+          <a:ext cx="0" cy="0"/>
+          <a:chOff x="0" y="0"/>
+          <a:chExt cx="0" cy="0"/>
+        </a:xfrm>
+      </p:grpSpPr>
+      <p:sp>
+        <p:nvSpPr>
+          <p:cNvPr id="2" name="Title 1"/>
+          <p:cNvSpPr>
+            <a:spLocks noGrp="1"/>
+          </p:cNvSpPr>
+          <p:nvPr>
+            <p:ph type="title"/>
+          </p:nvPr>
+        </p:nvSpPr>
+        <p:spPr/>
+        <p:txBody>
+          <a:bodyPr/>
+          <a:lstStyle/>
+          <a:p>
+            <a:r>
+              <a:rPr lang="en-US" dirty="0" smtClean="0"/>
+              <a:t>Thanks!</a:t>
+            </a:r>
+            <a:endParaRPr lang="en-US" dirty="0"/>
+          </a:p>
+        </p:txBody>
+      </p:sp>
+      <p:sp>
+        <p:nvSpPr>
+          <p:cNvPr id="3" name="Footer Placeholder 2"/>
+          <p:cNvSpPr>
+            <a:spLocks noGrp="1"/>
+          </p:cNvSpPr>
+          <p:nvPr>
+            <p:ph type="ftr" sz="quarter" idx="11"/>
+          </p:nvPr>
+        </p:nvSpPr>
+        <p:spPr/>
+        <p:txBody>
+          <a:bodyPr/>
+          <a:lstStyle/>
+          <a:p>
+            <a:r>
+              <a:rPr lang="en-US" smtClean="0"/>
+              <a:t>Kryptose™</a:t>
+            </a:r>
+            <a:endParaRPr lang="en-US" dirty="0"/>
+          </a:p>
+        </p:txBody>
+      </p:sp>
+      <p:sp>
+        <p:nvSpPr>
+          <p:cNvPr id="4" name="Slide Number Placeholder 3"/>
+          <p:cNvSpPr>
+            <a:spLocks noGrp="1"/>
+          </p:cNvSpPr>
+          <p:nvPr>
+            <p:ph type="sldNum" sz="quarter" idx="12"/>
+          </p:nvPr>
+        </p:nvSpPr>
+        <p:spPr/>
+        <p:txBody>
+          <a:bodyPr/>
+          <a:lstStyle/>
+          <a:p>
+            <a:fld id="{4FAB73BC-B049-4115-A692-8D63A059BFB8}" type="slidenum">
+              <a:rPr lang="en-US" smtClean="0"/>
+              <a:t>13</a:t>
+            </a:fld>
+            <a:endParaRPr lang="en-US" dirty="0"/>
+          </a:p>
+        </p:txBody>
+      </p:sp>
+      <p:pic>
+        <p:nvPicPr>
+          <p:cNvPr id="5" name="Picture 4"/>
+          <p:cNvPicPr>
+            <a:picLocks noChangeAspect="1"/>
+          </p:cNvPicPr>
+          <p:nvPr/>
+        </p:nvPicPr>
+        <p:blipFill>
+          <a:blip r:embed="rId2">
+            <a:extLst>
+              <a:ext uri="{28A0092B-C50C-407E-A947-70E740481C1C}">
+                <a14:useLocalDpi xmlns:a14="http://schemas.microsoft.com/office/drawing/2010/main" val="0"/>
+              </a:ext>
+            </a:extLst>
+          </a:blip>
+          <a:stretch>
+            <a:fillRect/>
+          </a:stretch>
+        </p:blipFill>
+        <p:spPr>
+          <a:xfrm>
+            <a:off x="3424518" y="1996857"/>
+            <a:ext cx="5084471" cy="3488183"/>
+          </a:xfrm>
+          <a:prstGeom prst="rect">
+            <a:avLst/>
+          </a:prstGeom>
+        </p:spPr>
+      </p:pic>
     </p:spTree>
     <p:extLst>
       <p:ext uri="{BB962C8B-B14F-4D97-AF65-F5344CB8AC3E}">
@@ -4849,7 +5388,7 @@
       </p:grpSpPr>
       <p:sp>
         <p:nvSpPr>
-          <p:cNvPr id="4" name="Title 3"/>
+          <p:cNvPr id="2" name="Title 1"/>
           <p:cNvSpPr>
             <a:spLocks noGrp="1"/>
           </p:cNvSpPr>
@@ -4864,15 +5403,15 @@
           <a:p>
             <a:r>
               <a:rPr lang="en-US" dirty="0" smtClean="0"/>
-              <a:t>What we should cover (delete later)</a:t>
-            </a:r>
-            <a:endParaRPr lang="en-US" dirty="0"/>
-          </a:p>
-        </p:txBody>
-      </p:sp>
-      <p:sp>
-        <p:nvSpPr>
-          <p:cNvPr id="5" name="Content Placeholder 4"/>
+              <a:t>Our mission….			 (System purpose)</a:t>
+            </a:r>
+            <a:endParaRPr lang="en-US" dirty="0"/>
+          </a:p>
+        </p:txBody>
+      </p:sp>
+      <p:sp>
+        <p:nvSpPr>
+          <p:cNvPr id="7" name="Content Placeholder 6"/>
           <p:cNvSpPr>
             <a:spLocks noGrp="1"/>
           </p:cNvSpPr>
@@ -4880,66 +5419,108 @@
             <p:ph idx="1"/>
           </p:nvPr>
         </p:nvSpPr>
+        <p:spPr>
+          <a:xfrm>
+            <a:off x="1088136" y="1845734"/>
+            <a:ext cx="5303520" cy="4023360"/>
+          </a:xfrm>
+        </p:spPr>
+        <p:txBody>
+          <a:bodyPr>
+            <a:normAutofit/>
+          </a:bodyPr>
+          <a:lstStyle/>
+          <a:p>
+            <a:pPr lvl="1"/>
+            <a:r>
+              <a:rPr lang="en-US" sz="2400" dirty="0" smtClean="0">
+                <a:solidFill>
+                  <a:srgbClr val="FF0000"/>
+                </a:solidFill>
+              </a:rPr>
+              <a:t>Memorizing</a:t>
+            </a:r>
+            <a:r>
+              <a:rPr lang="en-US" sz="2400" dirty="0" smtClean="0"/>
+              <a:t> different and high entropy passwords enhances security but it </a:t>
+            </a:r>
+            <a:r>
+              <a:rPr lang="en-US" sz="2400" dirty="0" smtClean="0">
+                <a:solidFill>
+                  <a:srgbClr val="FF0000"/>
+                </a:solidFill>
+              </a:rPr>
+              <a:t>is hard</a:t>
+            </a:r>
+          </a:p>
+          <a:p>
+            <a:pPr lvl="1"/>
+            <a:r>
+              <a:rPr lang="en-US" sz="2400" dirty="0"/>
+              <a:t>As a result, users </a:t>
+            </a:r>
+            <a:r>
+              <a:rPr lang="en-US" sz="2400" dirty="0" smtClean="0"/>
+              <a:t>often </a:t>
+            </a:r>
+            <a:r>
+              <a:rPr lang="en-US" sz="2400" dirty="0"/>
+              <a:t>choose </a:t>
+            </a:r>
+            <a:r>
+              <a:rPr lang="en-US" sz="2400" dirty="0">
+                <a:solidFill>
+                  <a:srgbClr val="FF0000"/>
+                </a:solidFill>
+              </a:rPr>
+              <a:t>weak passwords</a:t>
+            </a:r>
+          </a:p>
+          <a:p>
+            <a:pPr lvl="1"/>
+            <a:endParaRPr lang="en-US" sz="2400" dirty="0" smtClean="0">
+              <a:solidFill>
+                <a:srgbClr val="FF0000"/>
+              </a:solidFill>
+            </a:endParaRPr>
+          </a:p>
+        </p:txBody>
+      </p:sp>
+      <p:sp>
+        <p:nvSpPr>
+          <p:cNvPr id="5" name="Footer Placeholder 4"/>
+          <p:cNvSpPr>
+            <a:spLocks noGrp="1"/>
+          </p:cNvSpPr>
+          <p:nvPr>
+            <p:ph type="ftr" sz="quarter" idx="11"/>
+          </p:nvPr>
+        </p:nvSpPr>
         <p:spPr/>
         <p:txBody>
           <a:bodyPr/>
           <a:lstStyle/>
           <a:p>
             <a:r>
-              <a:rPr lang="en-US" dirty="0"/>
-              <a:t>Your team personnel.</a:t>
-            </a:r>
-          </a:p>
-          <a:p>
-            <a:r>
-              <a:rPr lang="en-US" dirty="0"/>
-              <a:t>Your system's purpose.</a:t>
-            </a:r>
-          </a:p>
-          <a:p>
-            <a:r>
-              <a:rPr lang="en-US" dirty="0"/>
-              <a:t>Your threat analysis.</a:t>
-            </a:r>
-          </a:p>
-          <a:p>
-            <a:r>
-              <a:rPr lang="en-US" dirty="0"/>
-              <a:t>Your most important security goals.</a:t>
-            </a:r>
-          </a:p>
-          <a:p>
-            <a:r>
-              <a:rPr lang="en-US" dirty="0"/>
-              <a:t>The design of the security of your system, including any trade-offs you made and any shortcomings you're aware of in your final system.</a:t>
-            </a:r>
-          </a:p>
-          <a:p>
-            <a:r>
-              <a:rPr lang="en-US" dirty="0"/>
-              <a:t>How your project incorporates each of the essential security elements.</a:t>
-            </a:r>
-          </a:p>
-          <a:p>
-            <a:r>
-              <a:rPr lang="en-US" dirty="0"/>
-              <a:t/>
-            </a:r>
-            <a:br>
-              <a:rPr lang="en-US" dirty="0"/>
-            </a:br>
-            <a:endParaRPr lang="en-US" dirty="0"/>
-          </a:p>
-        </p:txBody>
-      </p:sp>
-      <p:sp>
-        <p:nvSpPr>
-          <p:cNvPr id="2" name="Footer Placeholder 1"/>
-          <p:cNvSpPr>
-            <a:spLocks noGrp="1"/>
-          </p:cNvSpPr>
-          <p:nvPr>
-            <p:ph type="ftr" sz="quarter" idx="11"/>
+              <a:rPr lang="en-US" dirty="0" err="1" smtClean="0"/>
+              <a:t>Kryptose</a:t>
+            </a:r>
+            <a:r>
+              <a:rPr lang="en-US" dirty="0" smtClean="0"/>
+              <a:t>™</a:t>
+            </a:r>
+            <a:endParaRPr lang="en-US" dirty="0"/>
+          </a:p>
+        </p:txBody>
+      </p:sp>
+      <p:sp>
+        <p:nvSpPr>
+          <p:cNvPr id="6" name="Slide Number Placeholder 5"/>
+          <p:cNvSpPr>
+            <a:spLocks noGrp="1"/>
+          </p:cNvSpPr>
+          <p:nvPr>
+            <p:ph type="sldNum" sz="quarter" idx="12"/>
           </p:nvPr>
         </p:nvSpPr>
         <p:spPr/>
@@ -4947,42 +5528,100 @@
           <a:bodyPr/>
           <a:lstStyle/>
           <a:p>
-            <a:r>
-              <a:rPr lang="en-US" smtClean="0"/>
-              <a:t>Continuous authentication with decision fusion</a:t>
-            </a:r>
-            <a:endParaRPr lang="en-US" dirty="0"/>
-          </a:p>
-        </p:txBody>
-      </p:sp>
-      <p:sp>
-        <p:nvSpPr>
-          <p:cNvPr id="3" name="Slide Number Placeholder 2"/>
-          <p:cNvSpPr>
-            <a:spLocks noGrp="1"/>
-          </p:cNvSpPr>
-          <p:nvPr>
-            <p:ph type="sldNum" sz="quarter" idx="12"/>
-          </p:nvPr>
-        </p:nvSpPr>
-        <p:spPr/>
-        <p:txBody>
-          <a:bodyPr/>
-          <a:lstStyle/>
-          <a:p>
             <a:fld id="{4FAB73BC-B049-4115-A692-8D63A059BFB8}" type="slidenum">
               <a:rPr lang="en-US" smtClean="0"/>
-              <a:pPr/>
               <a:t>2</a:t>
             </a:fld>
             <a:endParaRPr lang="en-US" dirty="0"/>
           </a:p>
         </p:txBody>
       </p:sp>
+      <p:pic>
+        <p:nvPicPr>
+          <p:cNvPr id="1026" name="Picture 2" descr="http://bloodpressuresolution.com/admin/wp-content/uploads/tension-headache.jpg"/>
+          <p:cNvPicPr>
+            <a:picLocks noChangeAspect="1" noChangeArrowheads="1"/>
+          </p:cNvPicPr>
+          <p:nvPr/>
+        </p:nvPicPr>
+        <p:blipFill>
+          <a:blip r:embed="rId2">
+            <a:extLst>
+              <a:ext uri="{28A0092B-C50C-407E-A947-70E740481C1C}">
+                <a14:useLocalDpi xmlns:a14="http://schemas.microsoft.com/office/drawing/2010/main" val="0"/>
+              </a:ext>
+            </a:extLst>
+          </a:blip>
+          <a:srcRect/>
+          <a:stretch>
+            <a:fillRect/>
+          </a:stretch>
+        </p:blipFill>
+        <p:spPr bwMode="auto">
+          <a:xfrm>
+            <a:off x="6400800" y="2044306"/>
+            <a:ext cx="5439322" cy="3626215"/>
+          </a:xfrm>
+          <a:prstGeom prst="rect">
+            <a:avLst/>
+          </a:prstGeom>
+          <a:noFill/>
+          <a:extLst>
+            <a:ext uri="{909E8E84-426E-40DD-AFC4-6F175D3DCCD1}">
+              <a14:hiddenFill xmlns:a14="http://schemas.microsoft.com/office/drawing/2010/main">
+                <a:solidFill>
+                  <a:srgbClr val="FFFFFF"/>
+                </a:solidFill>
+              </a14:hiddenFill>
+            </a:ext>
+          </a:extLst>
+        </p:spPr>
+      </p:pic>
+      <p:pic>
+        <p:nvPicPr>
+          <p:cNvPr id="10" name="Picture 2" descr="http://bloodpressuresolution.com/admin/wp-content/uploads/tension-headache.jpg"/>
+          <p:cNvPicPr>
+            <a:picLocks noChangeAspect="1" noChangeArrowheads="1"/>
+          </p:cNvPicPr>
+          <p:nvPr/>
+        </p:nvPicPr>
+        <p:blipFill>
+          <a:blip r:embed="rId2">
+            <a:extLst>
+              <a:ext uri="{28A0092B-C50C-407E-A947-70E740481C1C}">
+                <a14:useLocalDpi xmlns:a14="http://schemas.microsoft.com/office/drawing/2010/main" val="0"/>
+              </a:ext>
+            </a:extLst>
+          </a:blip>
+          <a:srcRect/>
+          <a:stretch>
+            <a:fillRect/>
+          </a:stretch>
+        </p:blipFill>
+        <p:spPr bwMode="auto">
+          <a:xfrm>
+            <a:off x="6393171" y="2044306"/>
+            <a:ext cx="5439322" cy="3626215"/>
+          </a:xfrm>
+          <a:prstGeom prst="rect">
+            <a:avLst/>
+          </a:prstGeom>
+          <a:noFill/>
+          <a:extLst>
+            <a:ext uri="{909E8E84-426E-40DD-AFC4-6F175D3DCCD1}">
+              <a14:hiddenFill xmlns:a14="http://schemas.microsoft.com/office/drawing/2010/main">
+                <a:solidFill>
+                  <a:srgbClr val="FFFFFF"/>
+                </a:solidFill>
+              </a14:hiddenFill>
+            </a:ext>
+          </a:extLst>
+        </p:spPr>
+      </p:pic>
     </p:spTree>
     <p:extLst>
       <p:ext uri="{BB962C8B-B14F-4D97-AF65-F5344CB8AC3E}">
-        <p14:creationId xmlns:p14="http://schemas.microsoft.com/office/powerpoint/2010/main" val="1229145782"/>
+        <p14:creationId xmlns:p14="http://schemas.microsoft.com/office/powerpoint/2010/main" val="2113270513"/>
       </p:ext>
     </p:extLst>
   </p:cSld>
@@ -5033,20 +5672,122 @@
           <a:p>
             <a:r>
               <a:rPr lang="en-US" dirty="0" smtClean="0"/>
-              <a:t>Meet the team…</a:t>
-            </a:r>
-            <a:endParaRPr lang="en-US" dirty="0"/>
-          </a:p>
-        </p:txBody>
-      </p:sp>
-      <p:sp>
-        <p:nvSpPr>
-          <p:cNvPr id="6" name="Content Placeholder 5"/>
-          <p:cNvSpPr>
-            <a:spLocks noGrp="1"/>
-          </p:cNvSpPr>
-          <p:nvPr>
-            <p:ph sz="half" idx="1"/>
+              <a:t>Our mission….			 (System purpose)</a:t>
+            </a:r>
+            <a:endParaRPr lang="en-US" dirty="0"/>
+          </a:p>
+        </p:txBody>
+      </p:sp>
+      <p:sp>
+        <p:nvSpPr>
+          <p:cNvPr id="7" name="Content Placeholder 6"/>
+          <p:cNvSpPr>
+            <a:spLocks noGrp="1"/>
+          </p:cNvSpPr>
+          <p:nvPr>
+            <p:ph idx="1"/>
+          </p:nvPr>
+        </p:nvSpPr>
+        <p:spPr>
+          <a:xfrm>
+            <a:off x="1088136" y="1845734"/>
+            <a:ext cx="5303520" cy="4023360"/>
+          </a:xfrm>
+        </p:spPr>
+        <p:txBody>
+          <a:bodyPr>
+            <a:normAutofit/>
+          </a:bodyPr>
+          <a:lstStyle/>
+          <a:p>
+            <a:pPr lvl="1"/>
+            <a:r>
+              <a:rPr lang="en-US" sz="2400" dirty="0" smtClean="0">
+                <a:solidFill>
+                  <a:srgbClr val="FF0000"/>
+                </a:solidFill>
+              </a:rPr>
+              <a:t>Memorizing</a:t>
+            </a:r>
+            <a:r>
+              <a:rPr lang="en-US" sz="2400" dirty="0" smtClean="0"/>
+              <a:t> different and high entropy passwords enhances security but it </a:t>
+            </a:r>
+            <a:r>
+              <a:rPr lang="en-US" sz="2400" dirty="0" smtClean="0">
+                <a:solidFill>
+                  <a:srgbClr val="FF0000"/>
+                </a:solidFill>
+              </a:rPr>
+              <a:t>is hard</a:t>
+            </a:r>
+          </a:p>
+          <a:p>
+            <a:pPr lvl="1"/>
+            <a:r>
+              <a:rPr lang="en-US" sz="2400" dirty="0" smtClean="0"/>
+              <a:t>As a result, users often choose </a:t>
+            </a:r>
+            <a:r>
+              <a:rPr lang="en-US" sz="2400" dirty="0" smtClean="0">
+                <a:solidFill>
+                  <a:srgbClr val="FF0000"/>
+                </a:solidFill>
+              </a:rPr>
+              <a:t>weak passwords</a:t>
+            </a:r>
+          </a:p>
+          <a:p>
+            <a:pPr lvl="1"/>
+            <a:endParaRPr lang="en-US" sz="2400" dirty="0"/>
+          </a:p>
+          <a:p>
+            <a:pPr lvl="1"/>
+            <a:r>
+              <a:rPr lang="en-US" sz="2400" dirty="0" smtClean="0"/>
+              <a:t>Our system </a:t>
+            </a:r>
+            <a:r>
+              <a:rPr lang="en-US" sz="2400" dirty="0" smtClean="0">
+                <a:solidFill>
+                  <a:srgbClr val="00B050"/>
+                </a:solidFill>
+              </a:rPr>
+              <a:t>solves the problem</a:t>
+            </a:r>
+            <a:r>
+              <a:rPr lang="en-US" sz="2400" dirty="0" smtClean="0"/>
+              <a:t>, by securely storing all these passwords online</a:t>
+            </a:r>
+          </a:p>
+          <a:p>
+            <a:pPr lvl="1"/>
+            <a:r>
+              <a:rPr lang="en-US" sz="2400" dirty="0" smtClean="0"/>
+              <a:t>Users need to remember only </a:t>
+            </a:r>
+            <a:br>
+              <a:rPr lang="en-US" sz="2400" dirty="0" smtClean="0"/>
+            </a:br>
+            <a:r>
+              <a:rPr lang="en-US" sz="2400" dirty="0" smtClean="0">
+                <a:solidFill>
+                  <a:srgbClr val="00B050"/>
+                </a:solidFill>
+              </a:rPr>
+              <a:t>one Master Password</a:t>
+            </a:r>
+          </a:p>
+        </p:txBody>
+      </p:sp>
+      <p:sp>
+        <p:nvSpPr>
+          <p:cNvPr id="5" name="Footer Placeholder 4"/>
+          <p:cNvSpPr>
+            <a:spLocks noGrp="1"/>
+          </p:cNvSpPr>
+          <p:nvPr>
+            <p:ph type="ftr" sz="quarter" idx="11"/>
           </p:nvPr>
         </p:nvSpPr>
         <p:spPr/>
@@ -5055,21 +5796,25 @@
           <a:lstStyle/>
           <a:p>
             <a:r>
+              <a:rPr lang="en-US" dirty="0" err="1" smtClean="0"/>
+              <a:t>Kryptose</a:t>
+            </a:r>
+            <a:r>
               <a:rPr lang="en-US" dirty="0" smtClean="0"/>
-              <a:t>Antonio</a:t>
-            </a:r>
-            <a:endParaRPr lang="en-US" dirty="0"/>
-          </a:p>
-        </p:txBody>
-      </p:sp>
-      <p:sp>
-        <p:nvSpPr>
-          <p:cNvPr id="7" name="Content Placeholder 6"/>
-          <p:cNvSpPr>
-            <a:spLocks noGrp="1"/>
-          </p:cNvSpPr>
-          <p:nvPr>
-            <p:ph sz="half" idx="2"/>
+              <a:t>™</a:t>
+            </a:r>
+            <a:endParaRPr lang="en-US" dirty="0"/>
+          </a:p>
+        </p:txBody>
+      </p:sp>
+      <p:sp>
+        <p:nvSpPr>
+          <p:cNvPr id="6" name="Slide Number Placeholder 5"/>
+          <p:cNvSpPr>
+            <a:spLocks noGrp="1"/>
+          </p:cNvSpPr>
+          <p:nvPr>
+            <p:ph type="sldNum" sz="quarter" idx="12"/>
           </p:nvPr>
         </p:nvSpPr>
         <p:spPr/>
@@ -5077,64 +5822,7 @@
           <a:bodyPr/>
           <a:lstStyle/>
           <a:p>
-            <a:pPr lvl="1"/>
-            <a:r>
-              <a:rPr lang="en-US" dirty="0" smtClean="0"/>
-              <a:t>Interface with Cryptographic libraries</a:t>
-            </a:r>
-          </a:p>
-          <a:p>
-            <a:pPr lvl="1"/>
-            <a:r>
-              <a:rPr lang="en-US" dirty="0" smtClean="0"/>
-              <a:t>Junit and integration testing</a:t>
-            </a:r>
-          </a:p>
-          <a:p>
-            <a:pPr lvl="1"/>
-            <a:endParaRPr lang="en-US" dirty="0"/>
-          </a:p>
-        </p:txBody>
-      </p:sp>
-      <p:sp>
-        <p:nvSpPr>
-          <p:cNvPr id="4" name="Footer Placeholder 3"/>
-          <p:cNvSpPr>
-            <a:spLocks noGrp="1"/>
-          </p:cNvSpPr>
-          <p:nvPr>
-            <p:ph type="ftr" sz="quarter" idx="11"/>
-          </p:nvPr>
-        </p:nvSpPr>
-        <p:spPr/>
-        <p:txBody>
-          <a:bodyPr/>
-          <a:lstStyle/>
-          <a:p>
-            <a:r>
-              <a:rPr lang="en-US" dirty="0" smtClean="0"/>
-              <a:t>Continuous authentication with decision fusion</a:t>
-            </a:r>
-            <a:endParaRPr lang="en-US" dirty="0"/>
-          </a:p>
-        </p:txBody>
-      </p:sp>
-      <p:sp>
-        <p:nvSpPr>
-          <p:cNvPr id="5" name="Slide Number Placeholder 4"/>
-          <p:cNvSpPr>
-            <a:spLocks noGrp="1"/>
-          </p:cNvSpPr>
-          <p:nvPr>
-            <p:ph type="sldNum" sz="quarter" idx="12"/>
-          </p:nvPr>
-        </p:nvSpPr>
-        <p:spPr/>
-        <p:txBody>
-          <a:bodyPr/>
-          <a:lstStyle/>
-          <a:p>
-            <a:fld id="{4CE482DC-2269-4F26-9D2A-7E44B1A4CD85}" type="slidenum">
+            <a:fld id="{4FAB73BC-B049-4115-A692-8D63A059BFB8}" type="slidenum">
               <a:rPr lang="en-US" smtClean="0"/>
               <a:t>3</a:t>
             </a:fld>
@@ -5142,10 +5830,81 @@
           </a:p>
         </p:txBody>
       </p:sp>
+      <p:pic>
+        <p:nvPicPr>
+          <p:cNvPr id="1030" name="Picture 6" descr="http://www.kiltertermiteandpestcontrol.com/wp-content/uploads/2014/05/725854-smiling.jpg"/>
+          <p:cNvPicPr>
+            <a:picLocks noChangeAspect="1" noChangeArrowheads="1"/>
+          </p:cNvPicPr>
+          <p:nvPr/>
+        </p:nvPicPr>
+        <p:blipFill>
+          <a:blip r:embed="rId2">
+            <a:extLst>
+              <a:ext uri="{28A0092B-C50C-407E-A947-70E740481C1C}">
+                <a14:useLocalDpi xmlns:a14="http://schemas.microsoft.com/office/drawing/2010/main" val="0"/>
+              </a:ext>
+            </a:extLst>
+          </a:blip>
+          <a:srcRect/>
+          <a:stretch>
+            <a:fillRect/>
+          </a:stretch>
+        </p:blipFill>
+        <p:spPr bwMode="auto">
+          <a:xfrm>
+            <a:off x="6475427" y="2526624"/>
+            <a:ext cx="5562582" cy="3132162"/>
+          </a:xfrm>
+          <a:prstGeom prst="rect">
+            <a:avLst/>
+          </a:prstGeom>
+          <a:noFill/>
+          <a:extLst>
+            <a:ext uri="{909E8E84-426E-40DD-AFC4-6F175D3DCCD1}">
+              <a14:hiddenFill xmlns:a14="http://schemas.microsoft.com/office/drawing/2010/main">
+                <a:solidFill>
+                  <a:srgbClr val="FFFFFF"/>
+                </a:solidFill>
+              </a14:hiddenFill>
+            </a:ext>
+          </a:extLst>
+        </p:spPr>
+      </p:pic>
+      <p:pic>
+        <p:nvPicPr>
+          <p:cNvPr id="11" name="Picture 10"/>
+          <p:cNvPicPr>
+            <a:picLocks noChangeAspect="1"/>
+          </p:cNvPicPr>
+          <p:nvPr/>
+        </p:nvPicPr>
+        <p:blipFill>
+          <a:blip r:embed="rId3">
+            <a:extLst>
+              <a:ext uri="{28A0092B-C50C-407E-A947-70E740481C1C}">
+                <a14:useLocalDpi xmlns:a14="http://schemas.microsoft.com/office/drawing/2010/main" val="0"/>
+              </a:ext>
+            </a:extLst>
+          </a:blip>
+          <a:stretch>
+            <a:fillRect/>
+          </a:stretch>
+        </p:blipFill>
+        <p:spPr>
+          <a:xfrm>
+            <a:off x="6327727" y="2783083"/>
+            <a:ext cx="1832909" cy="1257461"/>
+          </a:xfrm>
+          <a:prstGeom prst="rect">
+            <a:avLst/>
+          </a:prstGeom>
+        </p:spPr>
+      </p:pic>
     </p:spTree>
     <p:extLst>
       <p:ext uri="{BB962C8B-B14F-4D97-AF65-F5344CB8AC3E}">
-        <p14:creationId xmlns:p14="http://schemas.microsoft.com/office/powerpoint/2010/main" val="1774650664"/>
+        <p14:creationId xmlns:p14="http://schemas.microsoft.com/office/powerpoint/2010/main" val="707845999"/>
       </p:ext>
     </p:extLst>
   </p:cSld>
@@ -5163,297 +5922,6 @@
 </file>
 
 <file path=ppt/slides/slide4.xml><?xml version="1.0" encoding="utf-8"?>
-<p:sld xmlns:a="http://schemas.openxmlformats.org/drawingml/2006/main" xmlns:r="http://schemas.openxmlformats.org/officeDocument/2006/relationships" xmlns:p="http://schemas.openxmlformats.org/presentationml/2006/main">
-  <p:cSld>
-    <p:spTree>
-      <p:nvGrpSpPr>
-        <p:cNvPr id="1" name=""/>
-        <p:cNvGrpSpPr/>
-        <p:nvPr/>
-      </p:nvGrpSpPr>
-      <p:grpSpPr>
-        <a:xfrm>
-          <a:off x="0" y="0"/>
-          <a:ext cx="0" cy="0"/>
-          <a:chOff x="0" y="0"/>
-          <a:chExt cx="0" cy="0"/>
-        </a:xfrm>
-      </p:grpSpPr>
-      <p:sp>
-        <p:nvSpPr>
-          <p:cNvPr id="2" name="Title 1"/>
-          <p:cNvSpPr>
-            <a:spLocks noGrp="1"/>
-          </p:cNvSpPr>
-          <p:nvPr>
-            <p:ph type="title"/>
-          </p:nvPr>
-        </p:nvSpPr>
-        <p:spPr/>
-        <p:txBody>
-          <a:bodyPr/>
-          <a:lstStyle/>
-          <a:p>
-            <a:r>
-              <a:rPr lang="en-US" dirty="0"/>
-              <a:t>Your system's purpose</a:t>
-            </a:r>
-          </a:p>
-        </p:txBody>
-      </p:sp>
-      <p:sp>
-        <p:nvSpPr>
-          <p:cNvPr id="3" name="Content Placeholder 2"/>
-          <p:cNvSpPr>
-            <a:spLocks noGrp="1"/>
-          </p:cNvSpPr>
-          <p:nvPr>
-            <p:ph sz="half" idx="1"/>
-          </p:nvPr>
-        </p:nvSpPr>
-        <p:spPr/>
-        <p:txBody>
-          <a:bodyPr/>
-          <a:lstStyle/>
-          <a:p>
-            <a:endParaRPr lang="en-US"/>
-          </a:p>
-        </p:txBody>
-      </p:sp>
-      <p:sp>
-        <p:nvSpPr>
-          <p:cNvPr id="4" name="Content Placeholder 3"/>
-          <p:cNvSpPr>
-            <a:spLocks noGrp="1"/>
-          </p:cNvSpPr>
-          <p:nvPr>
-            <p:ph sz="half" idx="2"/>
-          </p:nvPr>
-        </p:nvSpPr>
-        <p:spPr/>
-        <p:txBody>
-          <a:bodyPr/>
-          <a:lstStyle/>
-          <a:p>
-            <a:endParaRPr lang="en-US"/>
-          </a:p>
-        </p:txBody>
-      </p:sp>
-      <p:sp>
-        <p:nvSpPr>
-          <p:cNvPr id="5" name="Footer Placeholder 4"/>
-          <p:cNvSpPr>
-            <a:spLocks noGrp="1"/>
-          </p:cNvSpPr>
-          <p:nvPr>
-            <p:ph type="ftr" sz="quarter" idx="11"/>
-          </p:nvPr>
-        </p:nvSpPr>
-        <p:spPr/>
-        <p:txBody>
-          <a:bodyPr/>
-          <a:lstStyle/>
-          <a:p>
-            <a:r>
-              <a:rPr lang="en-US" smtClean="0"/>
-              <a:t>Continuous authentication with decision fusion</a:t>
-            </a:r>
-            <a:endParaRPr lang="en-US" dirty="0"/>
-          </a:p>
-        </p:txBody>
-      </p:sp>
-      <p:sp>
-        <p:nvSpPr>
-          <p:cNvPr id="6" name="Slide Number Placeholder 5"/>
-          <p:cNvSpPr>
-            <a:spLocks noGrp="1"/>
-          </p:cNvSpPr>
-          <p:nvPr>
-            <p:ph type="sldNum" sz="quarter" idx="12"/>
-          </p:nvPr>
-        </p:nvSpPr>
-        <p:spPr/>
-        <p:txBody>
-          <a:bodyPr/>
-          <a:lstStyle/>
-          <a:p>
-            <a:fld id="{4FAB73BC-B049-4115-A692-8D63A059BFB8}" type="slidenum">
-              <a:rPr lang="en-US" smtClean="0"/>
-              <a:t>4</a:t>
-            </a:fld>
-            <a:endParaRPr lang="en-US" dirty="0"/>
-          </a:p>
-        </p:txBody>
-      </p:sp>
-    </p:spTree>
-    <p:extLst>
-      <p:ext uri="{BB962C8B-B14F-4D97-AF65-F5344CB8AC3E}">
-        <p14:creationId xmlns:p14="http://schemas.microsoft.com/office/powerpoint/2010/main" val="3046858126"/>
-      </p:ext>
-    </p:extLst>
-  </p:cSld>
-  <p:clrMapOvr>
-    <a:masterClrMapping/>
-  </p:clrMapOvr>
-  <p:timing>
-    <p:tnLst>
-      <p:par>
-        <p:cTn id="1" dur="indefinite" restart="never" nodeType="tmRoot"/>
-      </p:par>
-    </p:tnLst>
-  </p:timing>
-</p:sld>
-</file>
-
-<file path=ppt/slides/slide5.xml><?xml version="1.0" encoding="utf-8"?>
-<p:sld xmlns:a="http://schemas.openxmlformats.org/drawingml/2006/main" xmlns:r="http://schemas.openxmlformats.org/officeDocument/2006/relationships" xmlns:p="http://schemas.openxmlformats.org/presentationml/2006/main">
-  <p:cSld>
-    <p:spTree>
-      <p:nvGrpSpPr>
-        <p:cNvPr id="1" name=""/>
-        <p:cNvGrpSpPr/>
-        <p:nvPr/>
-      </p:nvGrpSpPr>
-      <p:grpSpPr>
-        <a:xfrm>
-          <a:off x="0" y="0"/>
-          <a:ext cx="0" cy="0"/>
-          <a:chOff x="0" y="0"/>
-          <a:chExt cx="0" cy="0"/>
-        </a:xfrm>
-      </p:grpSpPr>
-      <p:sp>
-        <p:nvSpPr>
-          <p:cNvPr id="2" name="Title 1"/>
-          <p:cNvSpPr>
-            <a:spLocks noGrp="1"/>
-          </p:cNvSpPr>
-          <p:nvPr>
-            <p:ph type="title"/>
-          </p:nvPr>
-        </p:nvSpPr>
-        <p:spPr/>
-        <p:txBody>
-          <a:bodyPr/>
-          <a:lstStyle/>
-          <a:p>
-            <a:r>
-              <a:rPr lang="en-US" dirty="0"/>
-              <a:t>Your threat </a:t>
-            </a:r>
-            <a:r>
-              <a:rPr lang="en-US" dirty="0" smtClean="0"/>
-              <a:t>analysis</a:t>
-            </a:r>
-            <a:endParaRPr lang="en-US" dirty="0"/>
-          </a:p>
-        </p:txBody>
-      </p:sp>
-      <p:sp>
-        <p:nvSpPr>
-          <p:cNvPr id="3" name="Content Placeholder 2"/>
-          <p:cNvSpPr>
-            <a:spLocks noGrp="1"/>
-          </p:cNvSpPr>
-          <p:nvPr>
-            <p:ph sz="half" idx="1"/>
-          </p:nvPr>
-        </p:nvSpPr>
-        <p:spPr/>
-        <p:txBody>
-          <a:bodyPr/>
-          <a:lstStyle/>
-          <a:p>
-            <a:endParaRPr lang="en-US"/>
-          </a:p>
-        </p:txBody>
-      </p:sp>
-      <p:sp>
-        <p:nvSpPr>
-          <p:cNvPr id="4" name="Content Placeholder 3"/>
-          <p:cNvSpPr>
-            <a:spLocks noGrp="1"/>
-          </p:cNvSpPr>
-          <p:nvPr>
-            <p:ph sz="half" idx="2"/>
-          </p:nvPr>
-        </p:nvSpPr>
-        <p:spPr/>
-        <p:txBody>
-          <a:bodyPr/>
-          <a:lstStyle/>
-          <a:p>
-            <a:endParaRPr lang="en-US"/>
-          </a:p>
-        </p:txBody>
-      </p:sp>
-      <p:sp>
-        <p:nvSpPr>
-          <p:cNvPr id="5" name="Footer Placeholder 4"/>
-          <p:cNvSpPr>
-            <a:spLocks noGrp="1"/>
-          </p:cNvSpPr>
-          <p:nvPr>
-            <p:ph type="ftr" sz="quarter" idx="11"/>
-          </p:nvPr>
-        </p:nvSpPr>
-        <p:spPr/>
-        <p:txBody>
-          <a:bodyPr/>
-          <a:lstStyle/>
-          <a:p>
-            <a:r>
-              <a:rPr lang="en-US" smtClean="0"/>
-              <a:t>Continuous authentication with decision fusion</a:t>
-            </a:r>
-            <a:endParaRPr lang="en-US" dirty="0"/>
-          </a:p>
-        </p:txBody>
-      </p:sp>
-      <p:sp>
-        <p:nvSpPr>
-          <p:cNvPr id="6" name="Slide Number Placeholder 5"/>
-          <p:cNvSpPr>
-            <a:spLocks noGrp="1"/>
-          </p:cNvSpPr>
-          <p:nvPr>
-            <p:ph type="sldNum" sz="quarter" idx="12"/>
-          </p:nvPr>
-        </p:nvSpPr>
-        <p:spPr/>
-        <p:txBody>
-          <a:bodyPr/>
-          <a:lstStyle/>
-          <a:p>
-            <a:fld id="{4FAB73BC-B049-4115-A692-8D63A059BFB8}" type="slidenum">
-              <a:rPr lang="en-US" smtClean="0"/>
-              <a:t>5</a:t>
-            </a:fld>
-            <a:endParaRPr lang="en-US" dirty="0"/>
-          </a:p>
-        </p:txBody>
-      </p:sp>
-    </p:spTree>
-    <p:extLst>
-      <p:ext uri="{BB962C8B-B14F-4D97-AF65-F5344CB8AC3E}">
-        <p14:creationId xmlns:p14="http://schemas.microsoft.com/office/powerpoint/2010/main" val="2018399380"/>
-      </p:ext>
-    </p:extLst>
-  </p:cSld>
-  <p:clrMapOvr>
-    <a:masterClrMapping/>
-  </p:clrMapOvr>
-  <p:timing>
-    <p:tnLst>
-      <p:par>
-        <p:cTn id="1" dur="indefinite" restart="never" nodeType="tmRoot"/>
-      </p:par>
-    </p:tnLst>
-  </p:timing>
-</p:sld>
-</file>
-
-<file path=ppt/slides/slide6.xml><?xml version="1.0" encoding="utf-8"?>
 <p:sld xmlns:a="http://schemas.openxmlformats.org/drawingml/2006/main" xmlns:r="http://schemas.openxmlformats.org/officeDocument/2006/relationships" xmlns:p="http://schemas.openxmlformats.org/presentationml/2006/main">
   <p:cSld>
     <p:spTree>
@@ -5589,7 +6057,7 @@
           <a:p>
             <a:r>
               <a:rPr lang="en-US" smtClean="0"/>
-              <a:t>Continuous authentication with decision fusion</a:t>
+              <a:t>Kryptose™</a:t>
             </a:r>
             <a:endParaRPr lang="en-US" dirty="0"/>
           </a:p>
@@ -5612,7 +6080,7 @@
           <a:p>
             <a:fld id="{4FAB73BC-B049-4115-A692-8D63A059BFB8}" type="slidenum">
               <a:rPr lang="en-US" smtClean="0"/>
-              <a:t>6</a:t>
+              <a:t>4</a:t>
             </a:fld>
             <a:endParaRPr lang="en-US" dirty="0"/>
           </a:p>
@@ -6054,14 +6522,14 @@
       </p:sp>
       <p:sp>
         <p:nvSpPr>
-          <p:cNvPr id="29" name="TextBox 28"/>
+          <p:cNvPr id="9" name="TextBox 8"/>
           <p:cNvSpPr txBox="1"/>
           <p:nvPr/>
         </p:nvSpPr>
         <p:spPr>
           <a:xfrm>
-            <a:off x="4356676" y="1988424"/>
-            <a:ext cx="1981248" cy="646331"/>
+            <a:off x="4518852" y="4130176"/>
+            <a:ext cx="1725922" cy="646331"/>
           </a:xfrm>
           <a:prstGeom prst="rect">
             <a:avLst/>
@@ -6074,21 +6542,53 @@
           </a:bodyPr>
           <a:lstStyle/>
           <a:p>
+            <a:r>
+              <a:rPr lang="en-US" dirty="0" smtClean="0"/>
+              <a:t>Communication </a:t>
+            </a:r>
+          </a:p>
+          <a:p>
             <a:pPr algn="ctr"/>
             <a:r>
-              <a:rPr lang="en-US" dirty="0" err="1" smtClean="0"/>
-              <a:t>Dolev</a:t>
-            </a:r>
-            <a:r>
               <a:rPr lang="en-US" dirty="0" smtClean="0"/>
-              <a:t>-Yao </a:t>
+              <a:t>threats</a:t>
+            </a:r>
+            <a:endParaRPr lang="en-US" dirty="0"/>
+          </a:p>
+        </p:txBody>
+      </p:sp>
+      <p:sp>
+        <p:nvSpPr>
+          <p:cNvPr id="11" name="TextBox 10"/>
+          <p:cNvSpPr txBox="1"/>
+          <p:nvPr/>
+        </p:nvSpPr>
+        <p:spPr>
+          <a:xfrm>
+            <a:off x="10519929" y="3212556"/>
+            <a:ext cx="1439689" cy="646331"/>
+          </a:xfrm>
+          <a:prstGeom prst="rect">
+            <a:avLst/>
+          </a:prstGeom>
+          <a:noFill/>
+        </p:spPr>
+        <p:txBody>
+          <a:bodyPr wrap="none" rtlCol="0">
+            <a:spAutoFit/>
+          </a:bodyPr>
+          <a:lstStyle/>
+          <a:p>
+            <a:r>
+              <a:rPr lang="en-US" dirty="0" smtClean="0"/>
+              <a:t>Server access</a:t>
             </a:r>
           </a:p>
           <a:p>
             <a:pPr algn="ctr"/>
             <a:r>
               <a:rPr lang="en-US" dirty="0" smtClean="0"/>
-              <a:t>Network Adversary</a:t>
+              <a:t>threats</a:t>
             </a:r>
             <a:endParaRPr lang="en-US" dirty="0"/>
           </a:p>
@@ -6110,6 +6610,2170 @@
         <p:cTn id="1" dur="indefinite" restart="never" nodeType="tmRoot"/>
       </p:par>
     </p:tnLst>
+  </p:timing>
+</p:sld>
+</file>
+
+<file path=ppt/slides/slide5.xml><?xml version="1.0" encoding="utf-8"?>
+<p:sld xmlns:a="http://schemas.openxmlformats.org/drawingml/2006/main" xmlns:r="http://schemas.openxmlformats.org/officeDocument/2006/relationships" xmlns:p="http://schemas.openxmlformats.org/presentationml/2006/main">
+  <p:cSld>
+    <p:spTree>
+      <p:nvGrpSpPr>
+        <p:cNvPr id="1" name=""/>
+        <p:cNvGrpSpPr/>
+        <p:nvPr/>
+      </p:nvGrpSpPr>
+      <p:grpSpPr>
+        <a:xfrm>
+          <a:off x="0" y="0"/>
+          <a:ext cx="0" cy="0"/>
+          <a:chOff x="0" y="0"/>
+          <a:chExt cx="0" cy="0"/>
+        </a:xfrm>
+      </p:grpSpPr>
+      <p:sp>
+        <p:nvSpPr>
+          <p:cNvPr id="2" name="Title 1"/>
+          <p:cNvSpPr>
+            <a:spLocks noGrp="1"/>
+          </p:cNvSpPr>
+          <p:nvPr>
+            <p:ph type="title"/>
+          </p:nvPr>
+        </p:nvSpPr>
+        <p:spPr/>
+        <p:txBody>
+          <a:bodyPr/>
+          <a:lstStyle/>
+          <a:p>
+            <a:r>
+              <a:rPr lang="en-US" dirty="0" smtClean="0"/>
+              <a:t>Security Goals</a:t>
+            </a:r>
+            <a:endParaRPr lang="en-US" dirty="0"/>
+          </a:p>
+        </p:txBody>
+      </p:sp>
+      <p:sp>
+        <p:nvSpPr>
+          <p:cNvPr id="3" name="Content Placeholder 2"/>
+          <p:cNvSpPr>
+            <a:spLocks noGrp="1"/>
+          </p:cNvSpPr>
+          <p:nvPr>
+            <p:ph sz="half" idx="1"/>
+          </p:nvPr>
+        </p:nvSpPr>
+        <p:spPr/>
+        <p:txBody>
+          <a:bodyPr/>
+          <a:lstStyle/>
+          <a:p>
+            <a:pPr lvl="1"/>
+            <a:r>
+              <a:rPr lang="en-US" dirty="0" smtClean="0"/>
+              <a:t>Nobody </a:t>
+            </a:r>
+            <a:r>
+              <a:rPr lang="en-US" dirty="0" smtClean="0"/>
+              <a:t>except the user itself </a:t>
+            </a:r>
+            <a:r>
+              <a:rPr lang="en-US" dirty="0" smtClean="0"/>
+              <a:t>(not even </a:t>
+            </a:r>
+            <a:r>
+              <a:rPr lang="en-US" dirty="0" err="1"/>
+              <a:t>Kryptose</a:t>
+            </a:r>
+            <a:r>
+              <a:rPr lang="en-US" dirty="0" smtClean="0"/>
+              <a:t>™‘s sys admin) </a:t>
+            </a:r>
+            <a:r>
+              <a:rPr lang="en-US" dirty="0" smtClean="0"/>
+              <a:t>should be able to learn or tamper with a user’s sensitive </a:t>
+            </a:r>
+            <a:r>
+              <a:rPr lang="en-US" dirty="0" smtClean="0"/>
+              <a:t>credentials.</a:t>
+            </a:r>
+          </a:p>
+          <a:p>
+            <a:pPr lvl="1"/>
+            <a:r>
+              <a:rPr lang="en-US" dirty="0"/>
+              <a:t>The system shall prevent other principals from modifying the user’s master password or from deleting the accounts</a:t>
+            </a:r>
+            <a:r>
+              <a:rPr lang="en-US" dirty="0" smtClean="0"/>
+              <a:t>.</a:t>
+            </a:r>
+            <a:endParaRPr lang="en-US" dirty="0" smtClean="0"/>
+          </a:p>
+          <a:p>
+            <a:pPr lvl="1"/>
+            <a:r>
+              <a:rPr lang="en-US" dirty="0" smtClean="0"/>
+              <a:t>A </a:t>
+            </a:r>
+            <a:r>
+              <a:rPr lang="en-US" dirty="0" smtClean="0"/>
+              <a:t>user’s Master Password should not be disclosed to any principal</a:t>
+            </a:r>
+          </a:p>
+          <a:p>
+            <a:pPr lvl="1"/>
+            <a:r>
+              <a:rPr lang="en-US" dirty="0" smtClean="0"/>
+              <a:t>The server logs should be readable and modifiable only by the system administrator</a:t>
+            </a:r>
+          </a:p>
+          <a:p>
+            <a:pPr lvl="1"/>
+            <a:endParaRPr lang="en-US" dirty="0"/>
+          </a:p>
+          <a:p>
+            <a:pPr lvl="1"/>
+            <a:endParaRPr lang="en-US" dirty="0"/>
+          </a:p>
+        </p:txBody>
+      </p:sp>
+      <p:sp>
+        <p:nvSpPr>
+          <p:cNvPr id="4" name="Footer Placeholder 3"/>
+          <p:cNvSpPr>
+            <a:spLocks noGrp="1"/>
+          </p:cNvSpPr>
+          <p:nvPr>
+            <p:ph type="ftr" sz="quarter" idx="11"/>
+          </p:nvPr>
+        </p:nvSpPr>
+        <p:spPr/>
+        <p:txBody>
+          <a:bodyPr/>
+          <a:lstStyle/>
+          <a:p>
+            <a:r>
+              <a:rPr lang="en-US" dirty="0" err="1" smtClean="0"/>
+              <a:t>Kryptose</a:t>
+            </a:r>
+            <a:r>
+              <a:rPr lang="en-US" dirty="0" smtClean="0"/>
+              <a:t>™</a:t>
+            </a:r>
+            <a:endParaRPr lang="en-US" dirty="0"/>
+          </a:p>
+        </p:txBody>
+      </p:sp>
+      <p:sp>
+        <p:nvSpPr>
+          <p:cNvPr id="5" name="Slide Number Placeholder 4"/>
+          <p:cNvSpPr>
+            <a:spLocks noGrp="1"/>
+          </p:cNvSpPr>
+          <p:nvPr>
+            <p:ph type="sldNum" sz="quarter" idx="12"/>
+          </p:nvPr>
+        </p:nvSpPr>
+        <p:spPr/>
+        <p:txBody>
+          <a:bodyPr/>
+          <a:lstStyle/>
+          <a:p>
+            <a:fld id="{4CE482DC-2269-4F26-9D2A-7E44B1A4CD85}" type="slidenum">
+              <a:rPr lang="en-US" smtClean="0"/>
+              <a:t>5</a:t>
+            </a:fld>
+            <a:endParaRPr lang="en-US" dirty="0"/>
+          </a:p>
+        </p:txBody>
+      </p:sp>
+      <p:pic>
+        <p:nvPicPr>
+          <p:cNvPr id="1026" name="Picture 2" descr="http://www.bizneswellness.pl/wp-content/uploads/2012/04/cele.jpg"/>
+          <p:cNvPicPr>
+            <a:picLocks noGrp="1" noChangeAspect="1" noChangeArrowheads="1"/>
+          </p:cNvPicPr>
+          <p:nvPr>
+            <p:ph sz="half" idx="2"/>
+          </p:nvPr>
+        </p:nvPicPr>
+        <p:blipFill>
+          <a:blip r:embed="rId2">
+            <a:extLst>
+              <a:ext uri="{28A0092B-C50C-407E-A947-70E740481C1C}">
+                <a14:useLocalDpi xmlns:a14="http://schemas.microsoft.com/office/drawing/2010/main" val="0"/>
+              </a:ext>
+            </a:extLst>
+          </a:blip>
+          <a:srcRect/>
+          <a:stretch>
+            <a:fillRect/>
+          </a:stretch>
+        </p:blipFill>
+        <p:spPr bwMode="auto">
+          <a:xfrm>
+            <a:off x="6524693" y="1846263"/>
+            <a:ext cx="4324214" cy="4022725"/>
+          </a:xfrm>
+          <a:prstGeom prst="rect">
+            <a:avLst/>
+          </a:prstGeom>
+          <a:noFill/>
+          <a:extLst>
+            <a:ext uri="{909E8E84-426E-40DD-AFC4-6F175D3DCCD1}">
+              <a14:hiddenFill xmlns:a14="http://schemas.microsoft.com/office/drawing/2010/main">
+                <a:solidFill>
+                  <a:srgbClr val="FFFFFF"/>
+                </a:solidFill>
+              </a14:hiddenFill>
+            </a:ext>
+          </a:extLst>
+        </p:spPr>
+      </p:pic>
+    </p:spTree>
+    <p:extLst>
+      <p:ext uri="{BB962C8B-B14F-4D97-AF65-F5344CB8AC3E}">
+        <p14:creationId xmlns:p14="http://schemas.microsoft.com/office/powerpoint/2010/main" val="256907353"/>
+      </p:ext>
+    </p:extLst>
+  </p:cSld>
+  <p:clrMapOvr>
+    <a:masterClrMapping/>
+  </p:clrMapOvr>
+  <p:timing>
+    <p:tnLst>
+      <p:par>
+        <p:cTn id="1" dur="indefinite" restart="never" nodeType="tmRoot"/>
+      </p:par>
+    </p:tnLst>
+  </p:timing>
+</p:sld>
+</file>
+
+<file path=ppt/slides/slide6.xml><?xml version="1.0" encoding="utf-8"?>
+<p:sld xmlns:a="http://schemas.openxmlformats.org/drawingml/2006/main" xmlns:r="http://schemas.openxmlformats.org/officeDocument/2006/relationships" xmlns:p="http://schemas.openxmlformats.org/presentationml/2006/main">
+  <p:cSld>
+    <p:spTree>
+      <p:nvGrpSpPr>
+        <p:cNvPr id="1" name=""/>
+        <p:cNvGrpSpPr/>
+        <p:nvPr/>
+      </p:nvGrpSpPr>
+      <p:grpSpPr>
+        <a:xfrm>
+          <a:off x="0" y="0"/>
+          <a:ext cx="0" cy="0"/>
+          <a:chOff x="0" y="0"/>
+          <a:chExt cx="0" cy="0"/>
+        </a:xfrm>
+      </p:grpSpPr>
+      <p:sp>
+        <p:nvSpPr>
+          <p:cNvPr id="3087" name="Rounded Rectangle 3086"/>
+          <p:cNvSpPr/>
+          <p:nvPr/>
+        </p:nvSpPr>
+        <p:spPr>
+          <a:xfrm>
+            <a:off x="8065795" y="1817175"/>
+            <a:ext cx="3800839" cy="2480713"/>
+          </a:xfrm>
+          <a:prstGeom prst="roundRect">
+            <a:avLst/>
+          </a:prstGeom>
+        </p:spPr>
+        <p:style>
+          <a:lnRef idx="2">
+            <a:schemeClr val="accent1"/>
+          </a:lnRef>
+          <a:fillRef idx="1">
+            <a:schemeClr val="lt1"/>
+          </a:fillRef>
+          <a:effectRef idx="0">
+            <a:schemeClr val="accent1"/>
+          </a:effectRef>
+          <a:fontRef idx="minor">
+            <a:schemeClr val="dk1"/>
+          </a:fontRef>
+        </p:style>
+        <p:txBody>
+          <a:bodyPr rtlCol="0" anchor="ctr"/>
+          <a:lstStyle/>
+          <a:p>
+            <a:pPr algn="ctr"/>
+            <a:endParaRPr lang="en-US" dirty="0"/>
+          </a:p>
+        </p:txBody>
+      </p:sp>
+      <p:pic>
+        <p:nvPicPr>
+          <p:cNvPr id="51" name="Picture 2" descr="http://images.clipartpanda.com/salt-clipart-salt-of-the-earth.jpg"/>
+          <p:cNvPicPr>
+            <a:picLocks noChangeAspect="1" noChangeArrowheads="1"/>
+          </p:cNvPicPr>
+          <p:nvPr/>
+        </p:nvPicPr>
+        <p:blipFill>
+          <a:blip r:embed="rId2">
+            <a:extLst>
+              <a:ext uri="{28A0092B-C50C-407E-A947-70E740481C1C}">
+                <a14:useLocalDpi xmlns:a14="http://schemas.microsoft.com/office/drawing/2010/main" val="0"/>
+              </a:ext>
+            </a:extLst>
+          </a:blip>
+          <a:srcRect/>
+          <a:stretch>
+            <a:fillRect/>
+          </a:stretch>
+        </p:blipFill>
+        <p:spPr bwMode="auto">
+          <a:xfrm flipH="1">
+            <a:off x="8339971" y="2334553"/>
+            <a:ext cx="947420" cy="1349636"/>
+          </a:xfrm>
+          <a:prstGeom prst="rect">
+            <a:avLst/>
+          </a:prstGeom>
+          <a:noFill/>
+          <a:extLst>
+            <a:ext uri="{909E8E84-426E-40DD-AFC4-6F175D3DCCD1}">
+              <a14:hiddenFill xmlns:a14="http://schemas.microsoft.com/office/drawing/2010/main">
+                <a:solidFill>
+                  <a:srgbClr val="FFFFFF"/>
+                </a:solidFill>
+              </a14:hiddenFill>
+            </a:ext>
+          </a:extLst>
+        </p:spPr>
+      </p:pic>
+      <p:sp>
+        <p:nvSpPr>
+          <p:cNvPr id="2" name="Title 1"/>
+          <p:cNvSpPr>
+            <a:spLocks noGrp="1"/>
+          </p:cNvSpPr>
+          <p:nvPr>
+            <p:ph type="title"/>
+          </p:nvPr>
+        </p:nvSpPr>
+        <p:spPr/>
+        <p:txBody>
+          <a:bodyPr/>
+          <a:lstStyle/>
+          <a:p>
+            <a:r>
+              <a:rPr lang="en-US" dirty="0" smtClean="0"/>
+              <a:t>One password to rule them all</a:t>
+            </a:r>
+            <a:endParaRPr lang="en-US" dirty="0"/>
+          </a:p>
+        </p:txBody>
+      </p:sp>
+      <p:sp>
+        <p:nvSpPr>
+          <p:cNvPr id="4" name="Footer Placeholder 3"/>
+          <p:cNvSpPr>
+            <a:spLocks noGrp="1"/>
+          </p:cNvSpPr>
+          <p:nvPr>
+            <p:ph type="ftr" sz="quarter" idx="11"/>
+          </p:nvPr>
+        </p:nvSpPr>
+        <p:spPr/>
+        <p:txBody>
+          <a:bodyPr/>
+          <a:lstStyle/>
+          <a:p>
+            <a:r>
+              <a:rPr lang="en-US" smtClean="0"/>
+              <a:t>Kryptose™</a:t>
+            </a:r>
+            <a:endParaRPr lang="en-US" dirty="0"/>
+          </a:p>
+        </p:txBody>
+      </p:sp>
+      <p:sp>
+        <p:nvSpPr>
+          <p:cNvPr id="5" name="Slide Number Placeholder 4"/>
+          <p:cNvSpPr>
+            <a:spLocks noGrp="1"/>
+          </p:cNvSpPr>
+          <p:nvPr>
+            <p:ph type="sldNum" sz="quarter" idx="12"/>
+          </p:nvPr>
+        </p:nvSpPr>
+        <p:spPr/>
+        <p:txBody>
+          <a:bodyPr/>
+          <a:lstStyle/>
+          <a:p>
+            <a:fld id="{4CE482DC-2269-4F26-9D2A-7E44B1A4CD85}" type="slidenum">
+              <a:rPr lang="en-US" smtClean="0"/>
+              <a:t>6</a:t>
+            </a:fld>
+            <a:endParaRPr lang="en-US" dirty="0"/>
+          </a:p>
+        </p:txBody>
+      </p:sp>
+      <p:sp>
+        <p:nvSpPr>
+          <p:cNvPr id="9" name="Rounded Rectangle 8"/>
+          <p:cNvSpPr/>
+          <p:nvPr/>
+        </p:nvSpPr>
+        <p:spPr>
+          <a:xfrm>
+            <a:off x="3081297" y="3340755"/>
+            <a:ext cx="1689100" cy="647700"/>
+          </a:xfrm>
+          <a:prstGeom prst="roundRect">
+            <a:avLst/>
+          </a:prstGeom>
+        </p:spPr>
+        <p:style>
+          <a:lnRef idx="2">
+            <a:schemeClr val="accent1">
+              <a:shade val="50000"/>
+            </a:schemeClr>
+          </a:lnRef>
+          <a:fillRef idx="1">
+            <a:schemeClr val="accent1"/>
+          </a:fillRef>
+          <a:effectRef idx="0">
+            <a:schemeClr val="accent1"/>
+          </a:effectRef>
+          <a:fontRef idx="minor">
+            <a:schemeClr val="lt1"/>
+          </a:fontRef>
+        </p:style>
+        <p:txBody>
+          <a:bodyPr rtlCol="0" anchor="ctr"/>
+          <a:lstStyle/>
+          <a:p>
+            <a:pPr algn="ctr"/>
+            <a:r>
+              <a:rPr lang="en-US" dirty="0" smtClean="0"/>
+              <a:t>PBKDF2</a:t>
+            </a:r>
+            <a:endParaRPr lang="en-US" dirty="0"/>
+          </a:p>
+        </p:txBody>
+      </p:sp>
+      <p:pic>
+        <p:nvPicPr>
+          <p:cNvPr id="3076" name="Picture 4" descr="http://cdn.marketplaceimages.windowsphone.com/v8/images/4e3577aa-5f44-4551-834b-ecb48023acae?imageType=ws_icon_large"/>
+          <p:cNvPicPr>
+            <a:picLocks noChangeAspect="1" noChangeArrowheads="1"/>
+          </p:cNvPicPr>
+          <p:nvPr/>
+        </p:nvPicPr>
+        <p:blipFill>
+          <a:blip r:embed="rId3">
+            <a:extLst>
+              <a:ext uri="{28A0092B-C50C-407E-A947-70E740481C1C}">
+                <a14:useLocalDpi xmlns:a14="http://schemas.microsoft.com/office/drawing/2010/main" val="0"/>
+              </a:ext>
+            </a:extLst>
+          </a:blip>
+          <a:srcRect/>
+          <a:stretch>
+            <a:fillRect/>
+          </a:stretch>
+        </p:blipFill>
+        <p:spPr bwMode="auto">
+          <a:xfrm rot="3171759">
+            <a:off x="5756503" y="4364650"/>
+            <a:ext cx="1043762" cy="1043762"/>
+          </a:xfrm>
+          <a:prstGeom prst="rect">
+            <a:avLst/>
+          </a:prstGeom>
+          <a:noFill/>
+          <a:extLst>
+            <a:ext uri="{909E8E84-426E-40DD-AFC4-6F175D3DCCD1}">
+              <a14:hiddenFill xmlns:a14="http://schemas.microsoft.com/office/drawing/2010/main">
+                <a:solidFill>
+                  <a:srgbClr val="FFFFFF"/>
+                </a:solidFill>
+              </a14:hiddenFill>
+            </a:ext>
+          </a:extLst>
+        </p:spPr>
+      </p:pic>
+      <p:cxnSp>
+        <p:nvCxnSpPr>
+          <p:cNvPr id="10" name="Straight Arrow Connector 9"/>
+          <p:cNvCxnSpPr>
+            <a:stCxn id="18" idx="3"/>
+            <a:endCxn id="9" idx="1"/>
+          </p:cNvCxnSpPr>
+          <p:nvPr/>
+        </p:nvCxnSpPr>
+        <p:spPr>
+          <a:xfrm>
+            <a:off x="2219640" y="2325892"/>
+            <a:ext cx="861657" cy="1338713"/>
+          </a:xfrm>
+          <a:prstGeom prst="straightConnector1">
+            <a:avLst/>
+          </a:prstGeom>
+          <a:ln>
+            <a:tailEnd type="triangle"/>
+          </a:ln>
+        </p:spPr>
+        <p:style>
+          <a:lnRef idx="1">
+            <a:schemeClr val="accent1"/>
+          </a:lnRef>
+          <a:fillRef idx="0">
+            <a:schemeClr val="accent1"/>
+          </a:fillRef>
+          <a:effectRef idx="0">
+            <a:schemeClr val="accent1"/>
+          </a:effectRef>
+          <a:fontRef idx="minor">
+            <a:schemeClr val="tx1"/>
+          </a:fontRef>
+        </p:style>
+      </p:cxnSp>
+      <p:pic>
+        <p:nvPicPr>
+          <p:cNvPr id="6" name="Picture 2" descr="http://images.clipartpanda.com/salt-clipart-salt-of-the-earth.jpg"/>
+          <p:cNvPicPr>
+            <a:picLocks noChangeAspect="1" noChangeArrowheads="1"/>
+          </p:cNvPicPr>
+          <p:nvPr/>
+        </p:nvPicPr>
+        <p:blipFill>
+          <a:blip r:embed="rId2">
+            <a:extLst>
+              <a:ext uri="{28A0092B-C50C-407E-A947-70E740481C1C}">
+                <a14:useLocalDpi xmlns:a14="http://schemas.microsoft.com/office/drawing/2010/main" val="0"/>
+              </a:ext>
+            </a:extLst>
+          </a:blip>
+          <a:srcRect/>
+          <a:stretch>
+            <a:fillRect/>
+          </a:stretch>
+        </p:blipFill>
+        <p:spPr bwMode="auto">
+          <a:xfrm flipH="1">
+            <a:off x="884715" y="2948252"/>
+            <a:ext cx="947420" cy="1349636"/>
+          </a:xfrm>
+          <a:prstGeom prst="rect">
+            <a:avLst/>
+          </a:prstGeom>
+          <a:noFill/>
+          <a:extLst>
+            <a:ext uri="{909E8E84-426E-40DD-AFC4-6F175D3DCCD1}">
+              <a14:hiddenFill xmlns:a14="http://schemas.microsoft.com/office/drawing/2010/main">
+                <a:solidFill>
+                  <a:srgbClr val="FFFFFF"/>
+                </a:solidFill>
+              </a14:hiddenFill>
+            </a:ext>
+          </a:extLst>
+        </p:spPr>
+      </p:pic>
+      <p:sp>
+        <p:nvSpPr>
+          <p:cNvPr id="14" name="Rounded Rectangle 13"/>
+          <p:cNvSpPr/>
+          <p:nvPr/>
+        </p:nvSpPr>
+        <p:spPr>
+          <a:xfrm>
+            <a:off x="204904" y="3972808"/>
+            <a:ext cx="2073244" cy="706253"/>
+          </a:xfrm>
+          <a:prstGeom prst="roundRect">
+            <a:avLst/>
+          </a:prstGeom>
+          <a:solidFill>
+            <a:srgbClr val="FF0000"/>
+          </a:solidFill>
+        </p:spPr>
+        <p:style>
+          <a:lnRef idx="0">
+            <a:schemeClr val="accent5"/>
+          </a:lnRef>
+          <a:fillRef idx="3">
+            <a:schemeClr val="accent5"/>
+          </a:fillRef>
+          <a:effectRef idx="3">
+            <a:schemeClr val="accent5"/>
+          </a:effectRef>
+          <a:fontRef idx="minor">
+            <a:schemeClr val="lt1"/>
+          </a:fontRef>
+        </p:style>
+        <p:txBody>
+          <a:bodyPr rtlCol="0" anchor="ctr"/>
+          <a:lstStyle/>
+          <a:p>
+            <a:pPr algn="ctr"/>
+            <a:r>
+              <a:rPr lang="en-US" dirty="0" smtClean="0"/>
+              <a:t>Master Password</a:t>
+            </a:r>
+            <a:endParaRPr lang="en-US" dirty="0"/>
+          </a:p>
+        </p:txBody>
+      </p:sp>
+      <p:sp>
+        <p:nvSpPr>
+          <p:cNvPr id="18" name="Rounded Rectangle 17"/>
+          <p:cNvSpPr/>
+          <p:nvPr/>
+        </p:nvSpPr>
+        <p:spPr>
+          <a:xfrm>
+            <a:off x="146396" y="1972765"/>
+            <a:ext cx="2073244" cy="706253"/>
+          </a:xfrm>
+          <a:prstGeom prst="roundRect">
+            <a:avLst/>
+          </a:prstGeom>
+        </p:spPr>
+        <p:style>
+          <a:lnRef idx="0">
+            <a:schemeClr val="accent5"/>
+          </a:lnRef>
+          <a:fillRef idx="3">
+            <a:schemeClr val="accent5"/>
+          </a:fillRef>
+          <a:effectRef idx="3">
+            <a:schemeClr val="accent5"/>
+          </a:effectRef>
+          <a:fontRef idx="minor">
+            <a:schemeClr val="lt1"/>
+          </a:fontRef>
+        </p:style>
+        <p:txBody>
+          <a:bodyPr rtlCol="0" anchor="ctr"/>
+          <a:lstStyle/>
+          <a:p>
+            <a:pPr algn="ctr"/>
+            <a:r>
+              <a:rPr lang="en-US" dirty="0" smtClean="0"/>
+              <a:t>Master Username</a:t>
+            </a:r>
+            <a:endParaRPr lang="en-US" dirty="0"/>
+          </a:p>
+        </p:txBody>
+      </p:sp>
+      <p:cxnSp>
+        <p:nvCxnSpPr>
+          <p:cNvPr id="19" name="Straight Arrow Connector 18"/>
+          <p:cNvCxnSpPr>
+            <a:stCxn id="14" idx="3"/>
+            <a:endCxn id="9" idx="1"/>
+          </p:cNvCxnSpPr>
+          <p:nvPr/>
+        </p:nvCxnSpPr>
+        <p:spPr>
+          <a:xfrm flipV="1">
+            <a:off x="2278148" y="3664605"/>
+            <a:ext cx="803149" cy="661330"/>
+          </a:xfrm>
+          <a:prstGeom prst="straightConnector1">
+            <a:avLst/>
+          </a:prstGeom>
+          <a:ln>
+            <a:tailEnd type="triangle"/>
+          </a:ln>
+        </p:spPr>
+        <p:style>
+          <a:lnRef idx="1">
+            <a:schemeClr val="accent1"/>
+          </a:lnRef>
+          <a:fillRef idx="0">
+            <a:schemeClr val="accent1"/>
+          </a:fillRef>
+          <a:effectRef idx="0">
+            <a:schemeClr val="accent1"/>
+          </a:effectRef>
+          <a:fontRef idx="minor">
+            <a:schemeClr val="tx1"/>
+          </a:fontRef>
+        </p:style>
+      </p:cxnSp>
+      <p:cxnSp>
+        <p:nvCxnSpPr>
+          <p:cNvPr id="21" name="Straight Arrow Connector 20"/>
+          <p:cNvCxnSpPr>
+            <a:stCxn id="6" idx="1"/>
+            <a:endCxn id="9" idx="1"/>
+          </p:cNvCxnSpPr>
+          <p:nvPr/>
+        </p:nvCxnSpPr>
+        <p:spPr>
+          <a:xfrm>
+            <a:off x="1832135" y="3623070"/>
+            <a:ext cx="1249162" cy="41535"/>
+          </a:xfrm>
+          <a:prstGeom prst="straightConnector1">
+            <a:avLst/>
+          </a:prstGeom>
+          <a:ln>
+            <a:tailEnd type="triangle"/>
+          </a:ln>
+        </p:spPr>
+        <p:style>
+          <a:lnRef idx="1">
+            <a:schemeClr val="accent1"/>
+          </a:lnRef>
+          <a:fillRef idx="0">
+            <a:schemeClr val="accent1"/>
+          </a:fillRef>
+          <a:effectRef idx="0">
+            <a:schemeClr val="accent1"/>
+          </a:effectRef>
+          <a:fontRef idx="minor">
+            <a:schemeClr val="tx1"/>
+          </a:fontRef>
+        </p:style>
+      </p:cxnSp>
+      <p:cxnSp>
+        <p:nvCxnSpPr>
+          <p:cNvPr id="3072" name="Straight Arrow Connector 3071"/>
+          <p:cNvCxnSpPr>
+            <a:stCxn id="9" idx="3"/>
+          </p:cNvCxnSpPr>
+          <p:nvPr/>
+        </p:nvCxnSpPr>
+        <p:spPr>
+          <a:xfrm>
+            <a:off x="4770397" y="3664605"/>
+            <a:ext cx="712748" cy="976325"/>
+          </a:xfrm>
+          <a:prstGeom prst="straightConnector1">
+            <a:avLst/>
+          </a:prstGeom>
+          <a:ln>
+            <a:tailEnd type="triangle"/>
+          </a:ln>
+        </p:spPr>
+        <p:style>
+          <a:lnRef idx="1">
+            <a:schemeClr val="accent1"/>
+          </a:lnRef>
+          <a:fillRef idx="0">
+            <a:schemeClr val="accent1"/>
+          </a:fillRef>
+          <a:effectRef idx="0">
+            <a:schemeClr val="accent1"/>
+          </a:effectRef>
+          <a:fontRef idx="minor">
+            <a:schemeClr val="tx1"/>
+          </a:fontRef>
+        </p:style>
+      </p:cxnSp>
+      <p:cxnSp>
+        <p:nvCxnSpPr>
+          <p:cNvPr id="3078" name="Straight Arrow Connector 3077"/>
+          <p:cNvCxnSpPr>
+            <a:stCxn id="9" idx="3"/>
+          </p:cNvCxnSpPr>
+          <p:nvPr/>
+        </p:nvCxnSpPr>
+        <p:spPr>
+          <a:xfrm flipV="1">
+            <a:off x="4770397" y="3173323"/>
+            <a:ext cx="744642" cy="491282"/>
+          </a:xfrm>
+          <a:prstGeom prst="straightConnector1">
+            <a:avLst/>
+          </a:prstGeom>
+          <a:ln>
+            <a:tailEnd type="triangle"/>
+          </a:ln>
+        </p:spPr>
+        <p:style>
+          <a:lnRef idx="1">
+            <a:schemeClr val="accent1"/>
+          </a:lnRef>
+          <a:fillRef idx="0">
+            <a:schemeClr val="accent1"/>
+          </a:fillRef>
+          <a:effectRef idx="0">
+            <a:schemeClr val="accent1"/>
+          </a:effectRef>
+          <a:fontRef idx="minor">
+            <a:schemeClr val="tx1"/>
+          </a:fontRef>
+        </p:style>
+      </p:cxnSp>
+      <p:sp>
+        <p:nvSpPr>
+          <p:cNvPr id="3079" name="TextBox 3078"/>
+          <p:cNvSpPr txBox="1"/>
+          <p:nvPr/>
+        </p:nvSpPr>
+        <p:spPr>
+          <a:xfrm>
+            <a:off x="5426116" y="4232124"/>
+            <a:ext cx="1583382" cy="369332"/>
+          </a:xfrm>
+          <a:prstGeom prst="rect">
+            <a:avLst/>
+          </a:prstGeom>
+          <a:noFill/>
+        </p:spPr>
+        <p:txBody>
+          <a:bodyPr wrap="none" rtlCol="0">
+            <a:spAutoFit/>
+          </a:bodyPr>
+          <a:lstStyle/>
+          <a:p>
+            <a:r>
+              <a:rPr lang="en-US" dirty="0" smtClean="0"/>
+              <a:t>Encryption Key</a:t>
+            </a:r>
+            <a:endParaRPr lang="en-US" dirty="0"/>
+          </a:p>
+        </p:txBody>
+      </p:sp>
+      <p:pic>
+        <p:nvPicPr>
+          <p:cNvPr id="40" name="Picture 4" descr="http://cdn.marketplaceimages.windowsphone.com/v8/images/4e3577aa-5f44-4551-834b-ecb48023acae?imageType=ws_icon_large"/>
+          <p:cNvPicPr>
+            <a:picLocks noChangeAspect="1" noChangeArrowheads="1"/>
+          </p:cNvPicPr>
+          <p:nvPr/>
+        </p:nvPicPr>
+        <p:blipFill>
+          <a:blip r:embed="rId3">
+            <a:extLst>
+              <a:ext uri="{28A0092B-C50C-407E-A947-70E740481C1C}">
+                <a14:useLocalDpi xmlns:a14="http://schemas.microsoft.com/office/drawing/2010/main" val="0"/>
+              </a:ext>
+            </a:extLst>
+          </a:blip>
+          <a:srcRect/>
+          <a:stretch>
+            <a:fillRect/>
+          </a:stretch>
+        </p:blipFill>
+        <p:spPr bwMode="auto">
+          <a:xfrm rot="3171759">
+            <a:off x="5751141" y="2818874"/>
+            <a:ext cx="1043762" cy="1043762"/>
+          </a:xfrm>
+          <a:prstGeom prst="rect">
+            <a:avLst/>
+          </a:prstGeom>
+          <a:noFill/>
+          <a:extLst>
+            <a:ext uri="{909E8E84-426E-40DD-AFC4-6F175D3DCCD1}">
+              <a14:hiddenFill xmlns:a14="http://schemas.microsoft.com/office/drawing/2010/main">
+                <a:solidFill>
+                  <a:srgbClr val="FFFFFF"/>
+                </a:solidFill>
+              </a14:hiddenFill>
+            </a:ext>
+          </a:extLst>
+        </p:spPr>
+      </p:pic>
+      <p:sp>
+        <p:nvSpPr>
+          <p:cNvPr id="41" name="TextBox 40"/>
+          <p:cNvSpPr txBox="1"/>
+          <p:nvPr/>
+        </p:nvSpPr>
+        <p:spPr>
+          <a:xfrm>
+            <a:off x="5142240" y="2668738"/>
+            <a:ext cx="1968231" cy="369332"/>
+          </a:xfrm>
+          <a:prstGeom prst="rect">
+            <a:avLst/>
+          </a:prstGeom>
+          <a:noFill/>
+        </p:spPr>
+        <p:txBody>
+          <a:bodyPr wrap="none" rtlCol="0">
+            <a:spAutoFit/>
+          </a:bodyPr>
+          <a:lstStyle/>
+          <a:p>
+            <a:r>
+              <a:rPr lang="en-US" dirty="0" smtClean="0"/>
+              <a:t>Authentication Key</a:t>
+            </a:r>
+            <a:endParaRPr lang="en-US" dirty="0"/>
+          </a:p>
+        </p:txBody>
+      </p:sp>
+      <p:cxnSp>
+        <p:nvCxnSpPr>
+          <p:cNvPr id="3083" name="Straight Arrow Connector 3082"/>
+          <p:cNvCxnSpPr>
+            <a:stCxn id="18" idx="3"/>
+          </p:cNvCxnSpPr>
+          <p:nvPr/>
+        </p:nvCxnSpPr>
+        <p:spPr>
+          <a:xfrm>
+            <a:off x="2219640" y="2325892"/>
+            <a:ext cx="5846155" cy="11140"/>
+          </a:xfrm>
+          <a:prstGeom prst="straightConnector1">
+            <a:avLst/>
+          </a:prstGeom>
+          <a:ln>
+            <a:tailEnd type="triangle"/>
+          </a:ln>
+        </p:spPr>
+        <p:style>
+          <a:lnRef idx="1">
+            <a:schemeClr val="accent1"/>
+          </a:lnRef>
+          <a:fillRef idx="0">
+            <a:schemeClr val="accent1"/>
+          </a:fillRef>
+          <a:effectRef idx="0">
+            <a:schemeClr val="accent1"/>
+          </a:effectRef>
+          <a:fontRef idx="minor">
+            <a:schemeClr val="tx1"/>
+          </a:fontRef>
+        </p:style>
+      </p:cxnSp>
+      <p:cxnSp>
+        <p:nvCxnSpPr>
+          <p:cNvPr id="3085" name="Straight Arrow Connector 3084"/>
+          <p:cNvCxnSpPr/>
+          <p:nvPr/>
+        </p:nvCxnSpPr>
+        <p:spPr>
+          <a:xfrm>
+            <a:off x="6961349" y="3340755"/>
+            <a:ext cx="1836160" cy="192121"/>
+          </a:xfrm>
+          <a:prstGeom prst="straightConnector1">
+            <a:avLst/>
+          </a:prstGeom>
+          <a:ln>
+            <a:tailEnd type="triangle"/>
+          </a:ln>
+        </p:spPr>
+        <p:style>
+          <a:lnRef idx="1">
+            <a:schemeClr val="accent1"/>
+          </a:lnRef>
+          <a:fillRef idx="0">
+            <a:schemeClr val="accent1"/>
+          </a:fillRef>
+          <a:effectRef idx="0">
+            <a:schemeClr val="accent1"/>
+          </a:effectRef>
+          <a:fontRef idx="minor">
+            <a:schemeClr val="tx1"/>
+          </a:fontRef>
+        </p:style>
+      </p:cxnSp>
+      <p:pic>
+        <p:nvPicPr>
+          <p:cNvPr id="49" name="Picture 8" descr="http://www.realitybytesresources.com/images/server1.png"/>
+          <p:cNvPicPr>
+            <a:picLocks noChangeAspect="1" noChangeArrowheads="1"/>
+          </p:cNvPicPr>
+          <p:nvPr/>
+        </p:nvPicPr>
+        <p:blipFill>
+          <a:blip r:embed="rId4">
+            <a:extLst>
+              <a:ext uri="{28A0092B-C50C-407E-A947-70E740481C1C}">
+                <a14:useLocalDpi xmlns:a14="http://schemas.microsoft.com/office/drawing/2010/main" val="0"/>
+              </a:ext>
+            </a:extLst>
+          </a:blip>
+          <a:srcRect/>
+          <a:stretch>
+            <a:fillRect/>
+          </a:stretch>
+        </p:blipFill>
+        <p:spPr bwMode="auto">
+          <a:xfrm>
+            <a:off x="9942865" y="812481"/>
+            <a:ext cx="1637919" cy="1637919"/>
+          </a:xfrm>
+          <a:prstGeom prst="rect">
+            <a:avLst/>
+          </a:prstGeom>
+          <a:noFill/>
+          <a:extLst>
+            <a:ext uri="{909E8E84-426E-40DD-AFC4-6F175D3DCCD1}">
+              <a14:hiddenFill xmlns:a14="http://schemas.microsoft.com/office/drawing/2010/main">
+                <a:solidFill>
+                  <a:srgbClr val="FFFFFF"/>
+                </a:solidFill>
+              </a14:hiddenFill>
+            </a:ext>
+          </a:extLst>
+        </p:spPr>
+      </p:pic>
+      <p:sp>
+        <p:nvSpPr>
+          <p:cNvPr id="53" name="Rounded Rectangle 52"/>
+          <p:cNvSpPr/>
+          <p:nvPr/>
+        </p:nvSpPr>
+        <p:spPr>
+          <a:xfrm>
+            <a:off x="8813681" y="3273338"/>
+            <a:ext cx="1689100" cy="647700"/>
+          </a:xfrm>
+          <a:prstGeom prst="roundRect">
+            <a:avLst/>
+          </a:prstGeom>
+        </p:spPr>
+        <p:style>
+          <a:lnRef idx="2">
+            <a:schemeClr val="accent1">
+              <a:shade val="50000"/>
+            </a:schemeClr>
+          </a:lnRef>
+          <a:fillRef idx="1">
+            <a:schemeClr val="accent1"/>
+          </a:fillRef>
+          <a:effectRef idx="0">
+            <a:schemeClr val="accent1"/>
+          </a:effectRef>
+          <a:fontRef idx="minor">
+            <a:schemeClr val="lt1"/>
+          </a:fontRef>
+        </p:style>
+        <p:txBody>
+          <a:bodyPr rtlCol="0" anchor="ctr"/>
+          <a:lstStyle/>
+          <a:p>
+            <a:pPr algn="ctr"/>
+            <a:r>
+              <a:rPr lang="en-US" dirty="0" smtClean="0"/>
+              <a:t>PBKDF2</a:t>
+            </a:r>
+            <a:endParaRPr lang="en-US" dirty="0"/>
+          </a:p>
+        </p:txBody>
+      </p:sp>
+      <p:cxnSp>
+        <p:nvCxnSpPr>
+          <p:cNvPr id="3093" name="Straight Arrow Connector 3092"/>
+          <p:cNvCxnSpPr/>
+          <p:nvPr/>
+        </p:nvCxnSpPr>
+        <p:spPr>
+          <a:xfrm flipV="1">
+            <a:off x="10487677" y="2450400"/>
+            <a:ext cx="274147" cy="1195062"/>
+          </a:xfrm>
+          <a:prstGeom prst="straightConnector1">
+            <a:avLst/>
+          </a:prstGeom>
+          <a:ln>
+            <a:tailEnd type="triangle"/>
+          </a:ln>
+        </p:spPr>
+        <p:style>
+          <a:lnRef idx="1">
+            <a:schemeClr val="accent1"/>
+          </a:lnRef>
+          <a:fillRef idx="0">
+            <a:schemeClr val="accent1"/>
+          </a:fillRef>
+          <a:effectRef idx="0">
+            <a:schemeClr val="accent1"/>
+          </a:effectRef>
+          <a:fontRef idx="minor">
+            <a:schemeClr val="tx1"/>
+          </a:fontRef>
+        </p:style>
+      </p:cxnSp>
+      <p:sp>
+        <p:nvSpPr>
+          <p:cNvPr id="34" name="TextBox 33"/>
+          <p:cNvSpPr txBox="1"/>
+          <p:nvPr/>
+        </p:nvSpPr>
+        <p:spPr>
+          <a:xfrm>
+            <a:off x="8824372" y="2188883"/>
+            <a:ext cx="1386918" cy="646331"/>
+          </a:xfrm>
+          <a:prstGeom prst="rect">
+            <a:avLst/>
+          </a:prstGeom>
+          <a:noFill/>
+        </p:spPr>
+        <p:txBody>
+          <a:bodyPr wrap="none" rtlCol="0">
+            <a:spAutoFit/>
+          </a:bodyPr>
+          <a:lstStyle/>
+          <a:p>
+            <a:r>
+              <a:rPr lang="en-US" dirty="0" smtClean="0"/>
+              <a:t>User-specific</a:t>
+            </a:r>
+          </a:p>
+          <a:p>
+            <a:r>
+              <a:rPr lang="en-US" dirty="0"/>
+              <a:t> </a:t>
+            </a:r>
+            <a:r>
+              <a:rPr lang="en-US" dirty="0" smtClean="0"/>
+              <a:t>	Salt</a:t>
+            </a:r>
+            <a:endParaRPr lang="en-US" dirty="0"/>
+          </a:p>
+        </p:txBody>
+      </p:sp>
+      <p:sp>
+        <p:nvSpPr>
+          <p:cNvPr id="36" name="Rounded Rectangle 35"/>
+          <p:cNvSpPr/>
+          <p:nvPr/>
+        </p:nvSpPr>
+        <p:spPr>
+          <a:xfrm>
+            <a:off x="562737" y="5383681"/>
+            <a:ext cx="1715411" cy="639872"/>
+          </a:xfrm>
+          <a:prstGeom prst="roundRect">
+            <a:avLst/>
+          </a:prstGeom>
+          <a:solidFill>
+            <a:srgbClr val="FF0000"/>
+          </a:solidFill>
+        </p:spPr>
+        <p:style>
+          <a:lnRef idx="0">
+            <a:schemeClr val="accent2"/>
+          </a:lnRef>
+          <a:fillRef idx="3">
+            <a:schemeClr val="accent2"/>
+          </a:fillRef>
+          <a:effectRef idx="3">
+            <a:schemeClr val="accent2"/>
+          </a:effectRef>
+          <a:fontRef idx="minor">
+            <a:schemeClr val="lt1"/>
+          </a:fontRef>
+        </p:style>
+        <p:txBody>
+          <a:bodyPr rtlCol="0" anchor="ctr"/>
+          <a:lstStyle/>
+          <a:p>
+            <a:pPr algn="ctr"/>
+            <a:r>
+              <a:rPr lang="en-US" dirty="0" smtClean="0"/>
+              <a:t>Sensitive Credentials</a:t>
+            </a:r>
+            <a:endParaRPr lang="en-US" dirty="0"/>
+          </a:p>
+        </p:txBody>
+      </p:sp>
+      <p:sp>
+        <p:nvSpPr>
+          <p:cNvPr id="92" name="Rounded Rectangle 91"/>
+          <p:cNvSpPr/>
+          <p:nvPr/>
+        </p:nvSpPr>
+        <p:spPr>
+          <a:xfrm>
+            <a:off x="7221245" y="5443597"/>
+            <a:ext cx="1689100" cy="647700"/>
+          </a:xfrm>
+          <a:prstGeom prst="roundRect">
+            <a:avLst/>
+          </a:prstGeom>
+        </p:spPr>
+        <p:style>
+          <a:lnRef idx="2">
+            <a:schemeClr val="accent1">
+              <a:shade val="50000"/>
+            </a:schemeClr>
+          </a:lnRef>
+          <a:fillRef idx="1">
+            <a:schemeClr val="accent1"/>
+          </a:fillRef>
+          <a:effectRef idx="0">
+            <a:schemeClr val="accent1"/>
+          </a:effectRef>
+          <a:fontRef idx="minor">
+            <a:schemeClr val="lt1"/>
+          </a:fontRef>
+        </p:style>
+        <p:txBody>
+          <a:bodyPr rtlCol="0" anchor="ctr"/>
+          <a:lstStyle/>
+          <a:p>
+            <a:pPr algn="ctr"/>
+            <a:r>
+              <a:rPr lang="en-US" dirty="0" smtClean="0"/>
+              <a:t>AES-GCM</a:t>
+            </a:r>
+            <a:endParaRPr lang="en-US" dirty="0"/>
+          </a:p>
+        </p:txBody>
+      </p:sp>
+      <p:cxnSp>
+        <p:nvCxnSpPr>
+          <p:cNvPr id="61" name="Straight Arrow Connector 60"/>
+          <p:cNvCxnSpPr>
+            <a:endCxn id="92" idx="1"/>
+          </p:cNvCxnSpPr>
+          <p:nvPr/>
+        </p:nvCxnSpPr>
+        <p:spPr>
+          <a:xfrm flipV="1">
+            <a:off x="2278148" y="5767447"/>
+            <a:ext cx="4943097" cy="19192"/>
+          </a:xfrm>
+          <a:prstGeom prst="straightConnector1">
+            <a:avLst/>
+          </a:prstGeom>
+          <a:ln>
+            <a:tailEnd type="triangle"/>
+          </a:ln>
+        </p:spPr>
+        <p:style>
+          <a:lnRef idx="1">
+            <a:schemeClr val="accent1"/>
+          </a:lnRef>
+          <a:fillRef idx="0">
+            <a:schemeClr val="accent1"/>
+          </a:fillRef>
+          <a:effectRef idx="0">
+            <a:schemeClr val="accent1"/>
+          </a:effectRef>
+          <a:fontRef idx="minor">
+            <a:schemeClr val="tx1"/>
+          </a:fontRef>
+        </p:style>
+      </p:cxnSp>
+      <p:cxnSp>
+        <p:nvCxnSpPr>
+          <p:cNvPr id="63" name="Straight Arrow Connector 62"/>
+          <p:cNvCxnSpPr>
+            <a:stCxn id="3076" idx="3"/>
+            <a:endCxn id="92" idx="1"/>
+          </p:cNvCxnSpPr>
+          <p:nvPr/>
+        </p:nvCxnSpPr>
+        <p:spPr>
+          <a:xfrm>
+            <a:off x="6593458" y="5302570"/>
+            <a:ext cx="627787" cy="464877"/>
+          </a:xfrm>
+          <a:prstGeom prst="straightConnector1">
+            <a:avLst/>
+          </a:prstGeom>
+          <a:ln>
+            <a:tailEnd type="triangle"/>
+          </a:ln>
+        </p:spPr>
+        <p:style>
+          <a:lnRef idx="1">
+            <a:schemeClr val="accent1"/>
+          </a:lnRef>
+          <a:fillRef idx="0">
+            <a:schemeClr val="accent1"/>
+          </a:fillRef>
+          <a:effectRef idx="0">
+            <a:schemeClr val="accent1"/>
+          </a:effectRef>
+          <a:fontRef idx="minor">
+            <a:schemeClr val="tx1"/>
+          </a:fontRef>
+        </p:style>
+      </p:cxnSp>
+      <p:cxnSp>
+        <p:nvCxnSpPr>
+          <p:cNvPr id="66" name="Straight Arrow Connector 65"/>
+          <p:cNvCxnSpPr>
+            <a:stCxn id="92" idx="3"/>
+            <a:endCxn id="70" idx="1"/>
+          </p:cNvCxnSpPr>
+          <p:nvPr/>
+        </p:nvCxnSpPr>
+        <p:spPr>
+          <a:xfrm flipV="1">
+            <a:off x="8910345" y="5597276"/>
+            <a:ext cx="734454" cy="170171"/>
+          </a:xfrm>
+          <a:prstGeom prst="straightConnector1">
+            <a:avLst/>
+          </a:prstGeom>
+          <a:ln>
+            <a:tailEnd type="triangle"/>
+          </a:ln>
+        </p:spPr>
+        <p:style>
+          <a:lnRef idx="1">
+            <a:schemeClr val="accent1"/>
+          </a:lnRef>
+          <a:fillRef idx="0">
+            <a:schemeClr val="accent1"/>
+          </a:fillRef>
+          <a:effectRef idx="0">
+            <a:schemeClr val="accent1"/>
+          </a:effectRef>
+          <a:fontRef idx="minor">
+            <a:schemeClr val="tx1"/>
+          </a:fontRef>
+        </p:style>
+      </p:cxnSp>
+      <p:sp>
+        <p:nvSpPr>
+          <p:cNvPr id="70" name="TextBox 69"/>
+          <p:cNvSpPr txBox="1"/>
+          <p:nvPr/>
+        </p:nvSpPr>
+        <p:spPr>
+          <a:xfrm>
+            <a:off x="9644799" y="4997111"/>
+            <a:ext cx="1685755" cy="1200329"/>
+          </a:xfrm>
+          <a:prstGeom prst="rect">
+            <a:avLst/>
+          </a:prstGeom>
+          <a:noFill/>
+        </p:spPr>
+        <p:txBody>
+          <a:bodyPr wrap="square" rtlCol="0">
+            <a:spAutoFit/>
+          </a:bodyPr>
+          <a:lstStyle/>
+          <a:p>
+            <a:r>
+              <a:rPr lang="en-US" dirty="0" smtClean="0"/>
+              <a:t>*/x#$&gt;daWj8+4jgh90”83;4;fd5uu~t3wfj:fiig^&amp;’u438u</a:t>
+            </a:r>
+            <a:endParaRPr lang="en-US" dirty="0"/>
+          </a:p>
+        </p:txBody>
+      </p:sp>
+      <p:cxnSp>
+        <p:nvCxnSpPr>
+          <p:cNvPr id="75" name="Straight Arrow Connector 74"/>
+          <p:cNvCxnSpPr>
+            <a:stCxn id="70" idx="0"/>
+          </p:cNvCxnSpPr>
+          <p:nvPr/>
+        </p:nvCxnSpPr>
+        <p:spPr>
+          <a:xfrm flipV="1">
+            <a:off x="10487677" y="4270578"/>
+            <a:ext cx="274147" cy="726533"/>
+          </a:xfrm>
+          <a:prstGeom prst="straightConnector1">
+            <a:avLst/>
+          </a:prstGeom>
+          <a:ln>
+            <a:tailEnd type="triangle"/>
+          </a:ln>
+        </p:spPr>
+        <p:style>
+          <a:lnRef idx="1">
+            <a:schemeClr val="accent1"/>
+          </a:lnRef>
+          <a:fillRef idx="0">
+            <a:schemeClr val="accent1"/>
+          </a:fillRef>
+          <a:effectRef idx="0">
+            <a:schemeClr val="accent1"/>
+          </a:effectRef>
+          <a:fontRef idx="minor">
+            <a:schemeClr val="tx1"/>
+          </a:fontRef>
+        </p:style>
+      </p:cxnSp>
+    </p:spTree>
+    <p:extLst>
+      <p:ext uri="{BB962C8B-B14F-4D97-AF65-F5344CB8AC3E}">
+        <p14:creationId xmlns:p14="http://schemas.microsoft.com/office/powerpoint/2010/main" val="1127688121"/>
+      </p:ext>
+    </p:extLst>
+  </p:cSld>
+  <p:clrMapOvr>
+    <a:masterClrMapping/>
+  </p:clrMapOvr>
+  <p:timing>
+    <p:tnLst>
+      <p:par>
+        <p:cTn id="1" dur="indefinite" restart="never" nodeType="tmRoot">
+          <p:childTnLst>
+            <p:seq concurrent="1" nextAc="seek">
+              <p:cTn id="2" dur="indefinite" nodeType="mainSeq">
+                <p:childTnLst>
+                  <p:par>
+                    <p:cTn id="3" fill="hold">
+                      <p:stCondLst>
+                        <p:cond delay="indefinite"/>
+                      </p:stCondLst>
+                      <p:childTnLst>
+                        <p:par>
+                          <p:cTn id="4" fill="hold">
+                            <p:stCondLst>
+                              <p:cond delay="0"/>
+                            </p:stCondLst>
+                            <p:childTnLst>
+                              <p:par>
+                                <p:cTn id="5" presetID="1" presetClass="entr" presetSubtype="0" fill="hold" nodeType="clickEffect">
+                                  <p:stCondLst>
+                                    <p:cond delay="0"/>
+                                  </p:stCondLst>
+                                  <p:childTnLst>
+                                    <p:set>
+                                      <p:cBhvr>
+                                        <p:cTn id="6" dur="1" fill="hold">
+                                          <p:stCondLst>
+                                            <p:cond delay="0"/>
+                                          </p:stCondLst>
+                                        </p:cTn>
+                                        <p:tgtEl>
+                                          <p:spTgt spid="6"/>
+                                        </p:tgtEl>
+                                        <p:attrNameLst>
+                                          <p:attrName>style.visibility</p:attrName>
+                                        </p:attrNameLst>
+                                      </p:cBhvr>
+                                      <p:to>
+                                        <p:strVal val="visible"/>
+                                      </p:to>
+                                    </p:set>
+                                  </p:childTnLst>
+                                </p:cTn>
+                              </p:par>
+                              <p:par>
+                                <p:cTn id="7" presetID="1" presetClass="entr" presetSubtype="0" fill="hold" nodeType="withEffect">
+                                  <p:stCondLst>
+                                    <p:cond delay="0"/>
+                                  </p:stCondLst>
+                                  <p:childTnLst>
+                                    <p:set>
+                                      <p:cBhvr>
+                                        <p:cTn id="8" dur="1" fill="hold">
+                                          <p:stCondLst>
+                                            <p:cond delay="0"/>
+                                          </p:stCondLst>
+                                        </p:cTn>
+                                        <p:tgtEl>
+                                          <p:spTgt spid="19"/>
+                                        </p:tgtEl>
+                                        <p:attrNameLst>
+                                          <p:attrName>style.visibility</p:attrName>
+                                        </p:attrNameLst>
+                                      </p:cBhvr>
+                                      <p:to>
+                                        <p:strVal val="visible"/>
+                                      </p:to>
+                                    </p:set>
+                                  </p:childTnLst>
+                                </p:cTn>
+                              </p:par>
+                              <p:par>
+                                <p:cTn id="9" presetID="1" presetClass="entr" presetSubtype="0" fill="hold" nodeType="withEffect">
+                                  <p:stCondLst>
+                                    <p:cond delay="0"/>
+                                  </p:stCondLst>
+                                  <p:childTnLst>
+                                    <p:set>
+                                      <p:cBhvr>
+                                        <p:cTn id="10" dur="1" fill="hold">
+                                          <p:stCondLst>
+                                            <p:cond delay="0"/>
+                                          </p:stCondLst>
+                                        </p:cTn>
+                                        <p:tgtEl>
+                                          <p:spTgt spid="21"/>
+                                        </p:tgtEl>
+                                        <p:attrNameLst>
+                                          <p:attrName>style.visibility</p:attrName>
+                                        </p:attrNameLst>
+                                      </p:cBhvr>
+                                      <p:to>
+                                        <p:strVal val="visible"/>
+                                      </p:to>
+                                    </p:set>
+                                  </p:childTnLst>
+                                </p:cTn>
+                              </p:par>
+                              <p:par>
+                                <p:cTn id="11" presetID="1" presetClass="entr" presetSubtype="0" fill="hold" nodeType="withEffect">
+                                  <p:stCondLst>
+                                    <p:cond delay="0"/>
+                                  </p:stCondLst>
+                                  <p:childTnLst>
+                                    <p:set>
+                                      <p:cBhvr>
+                                        <p:cTn id="12" dur="1" fill="hold">
+                                          <p:stCondLst>
+                                            <p:cond delay="0"/>
+                                          </p:stCondLst>
+                                        </p:cTn>
+                                        <p:tgtEl>
+                                          <p:spTgt spid="10"/>
+                                        </p:tgtEl>
+                                        <p:attrNameLst>
+                                          <p:attrName>style.visibility</p:attrName>
+                                        </p:attrNameLst>
+                                      </p:cBhvr>
+                                      <p:to>
+                                        <p:strVal val="visible"/>
+                                      </p:to>
+                                    </p:set>
+                                  </p:childTnLst>
+                                </p:cTn>
+                              </p:par>
+                              <p:par>
+                                <p:cTn id="13" presetID="1" presetClass="entr" presetSubtype="0" fill="hold" grpId="0" nodeType="withEffect">
+                                  <p:stCondLst>
+                                    <p:cond delay="0"/>
+                                  </p:stCondLst>
+                                  <p:childTnLst>
+                                    <p:set>
+                                      <p:cBhvr>
+                                        <p:cTn id="14" dur="1" fill="hold">
+                                          <p:stCondLst>
+                                            <p:cond delay="0"/>
+                                          </p:stCondLst>
+                                        </p:cTn>
+                                        <p:tgtEl>
+                                          <p:spTgt spid="9"/>
+                                        </p:tgtEl>
+                                        <p:attrNameLst>
+                                          <p:attrName>style.visibility</p:attrName>
+                                        </p:attrNameLst>
+                                      </p:cBhvr>
+                                      <p:to>
+                                        <p:strVal val="visible"/>
+                                      </p:to>
+                                    </p:set>
+                                  </p:childTnLst>
+                                </p:cTn>
+                              </p:par>
+                              <p:par>
+                                <p:cTn id="15" presetID="1" presetClass="entr" presetSubtype="0" fill="hold" nodeType="withEffect">
+                                  <p:stCondLst>
+                                    <p:cond delay="0"/>
+                                  </p:stCondLst>
+                                  <p:childTnLst>
+                                    <p:set>
+                                      <p:cBhvr>
+                                        <p:cTn id="16" dur="1" fill="hold">
+                                          <p:stCondLst>
+                                            <p:cond delay="0"/>
+                                          </p:stCondLst>
+                                        </p:cTn>
+                                        <p:tgtEl>
+                                          <p:spTgt spid="3078"/>
+                                        </p:tgtEl>
+                                        <p:attrNameLst>
+                                          <p:attrName>style.visibility</p:attrName>
+                                        </p:attrNameLst>
+                                      </p:cBhvr>
+                                      <p:to>
+                                        <p:strVal val="visible"/>
+                                      </p:to>
+                                    </p:set>
+                                  </p:childTnLst>
+                                </p:cTn>
+                              </p:par>
+                              <p:par>
+                                <p:cTn id="17" presetID="1" presetClass="entr" presetSubtype="0" fill="hold" nodeType="withEffect">
+                                  <p:stCondLst>
+                                    <p:cond delay="0"/>
+                                  </p:stCondLst>
+                                  <p:childTnLst>
+                                    <p:set>
+                                      <p:cBhvr>
+                                        <p:cTn id="18" dur="1" fill="hold">
+                                          <p:stCondLst>
+                                            <p:cond delay="0"/>
+                                          </p:stCondLst>
+                                        </p:cTn>
+                                        <p:tgtEl>
+                                          <p:spTgt spid="3072"/>
+                                        </p:tgtEl>
+                                        <p:attrNameLst>
+                                          <p:attrName>style.visibility</p:attrName>
+                                        </p:attrNameLst>
+                                      </p:cBhvr>
+                                      <p:to>
+                                        <p:strVal val="visible"/>
+                                      </p:to>
+                                    </p:set>
+                                  </p:childTnLst>
+                                </p:cTn>
+                              </p:par>
+                              <p:par>
+                                <p:cTn id="19" presetID="1" presetClass="entr" presetSubtype="0" fill="hold" grpId="0" nodeType="withEffect">
+                                  <p:stCondLst>
+                                    <p:cond delay="0"/>
+                                  </p:stCondLst>
+                                  <p:childTnLst>
+                                    <p:set>
+                                      <p:cBhvr>
+                                        <p:cTn id="20" dur="1" fill="hold">
+                                          <p:stCondLst>
+                                            <p:cond delay="0"/>
+                                          </p:stCondLst>
+                                        </p:cTn>
+                                        <p:tgtEl>
+                                          <p:spTgt spid="3079"/>
+                                        </p:tgtEl>
+                                        <p:attrNameLst>
+                                          <p:attrName>style.visibility</p:attrName>
+                                        </p:attrNameLst>
+                                      </p:cBhvr>
+                                      <p:to>
+                                        <p:strVal val="visible"/>
+                                      </p:to>
+                                    </p:set>
+                                  </p:childTnLst>
+                                </p:cTn>
+                              </p:par>
+                              <p:par>
+                                <p:cTn id="21" presetID="1" presetClass="entr" presetSubtype="0" fill="hold" nodeType="withEffect">
+                                  <p:stCondLst>
+                                    <p:cond delay="0"/>
+                                  </p:stCondLst>
+                                  <p:childTnLst>
+                                    <p:set>
+                                      <p:cBhvr>
+                                        <p:cTn id="22" dur="1" fill="hold">
+                                          <p:stCondLst>
+                                            <p:cond delay="0"/>
+                                          </p:stCondLst>
+                                        </p:cTn>
+                                        <p:tgtEl>
+                                          <p:spTgt spid="3076"/>
+                                        </p:tgtEl>
+                                        <p:attrNameLst>
+                                          <p:attrName>style.visibility</p:attrName>
+                                        </p:attrNameLst>
+                                      </p:cBhvr>
+                                      <p:to>
+                                        <p:strVal val="visible"/>
+                                      </p:to>
+                                    </p:set>
+                                  </p:childTnLst>
+                                </p:cTn>
+                              </p:par>
+                              <p:par>
+                                <p:cTn id="23" presetID="1" presetClass="entr" presetSubtype="0" fill="hold" grpId="0" nodeType="withEffect">
+                                  <p:stCondLst>
+                                    <p:cond delay="0"/>
+                                  </p:stCondLst>
+                                  <p:childTnLst>
+                                    <p:set>
+                                      <p:cBhvr>
+                                        <p:cTn id="24" dur="1" fill="hold">
+                                          <p:stCondLst>
+                                            <p:cond delay="0"/>
+                                          </p:stCondLst>
+                                        </p:cTn>
+                                        <p:tgtEl>
+                                          <p:spTgt spid="41"/>
+                                        </p:tgtEl>
+                                        <p:attrNameLst>
+                                          <p:attrName>style.visibility</p:attrName>
+                                        </p:attrNameLst>
+                                      </p:cBhvr>
+                                      <p:to>
+                                        <p:strVal val="visible"/>
+                                      </p:to>
+                                    </p:set>
+                                  </p:childTnLst>
+                                </p:cTn>
+                              </p:par>
+                              <p:par>
+                                <p:cTn id="25" presetID="1" presetClass="entr" presetSubtype="0" fill="hold" nodeType="withEffect">
+                                  <p:stCondLst>
+                                    <p:cond delay="0"/>
+                                  </p:stCondLst>
+                                  <p:childTnLst>
+                                    <p:set>
+                                      <p:cBhvr>
+                                        <p:cTn id="26" dur="1" fill="hold">
+                                          <p:stCondLst>
+                                            <p:cond delay="0"/>
+                                          </p:stCondLst>
+                                        </p:cTn>
+                                        <p:tgtEl>
+                                          <p:spTgt spid="40"/>
+                                        </p:tgtEl>
+                                        <p:attrNameLst>
+                                          <p:attrName>style.visibility</p:attrName>
+                                        </p:attrNameLst>
+                                      </p:cBhvr>
+                                      <p:to>
+                                        <p:strVal val="visible"/>
+                                      </p:to>
+                                    </p:set>
+                                  </p:childTnLst>
+                                </p:cTn>
+                              </p:par>
+                            </p:childTnLst>
+                          </p:cTn>
+                        </p:par>
+                      </p:childTnLst>
+                    </p:cTn>
+                  </p:par>
+                  <p:par>
+                    <p:cTn id="27" fill="hold">
+                      <p:stCondLst>
+                        <p:cond delay="indefinite"/>
+                      </p:stCondLst>
+                      <p:childTnLst>
+                        <p:par>
+                          <p:cTn id="28" fill="hold">
+                            <p:stCondLst>
+                              <p:cond delay="0"/>
+                            </p:stCondLst>
+                            <p:childTnLst>
+                              <p:par>
+                                <p:cTn id="29" presetID="1" presetClass="entr" presetSubtype="0" fill="hold" grpId="0" nodeType="clickEffect">
+                                  <p:stCondLst>
+                                    <p:cond delay="0"/>
+                                  </p:stCondLst>
+                                  <p:childTnLst>
+                                    <p:set>
+                                      <p:cBhvr>
+                                        <p:cTn id="30" dur="1" fill="hold">
+                                          <p:stCondLst>
+                                            <p:cond delay="0"/>
+                                          </p:stCondLst>
+                                        </p:cTn>
+                                        <p:tgtEl>
+                                          <p:spTgt spid="3087"/>
+                                        </p:tgtEl>
+                                        <p:attrNameLst>
+                                          <p:attrName>style.visibility</p:attrName>
+                                        </p:attrNameLst>
+                                      </p:cBhvr>
+                                      <p:to>
+                                        <p:strVal val="visible"/>
+                                      </p:to>
+                                    </p:set>
+                                  </p:childTnLst>
+                                </p:cTn>
+                              </p:par>
+                              <p:par>
+                                <p:cTn id="31" presetID="1" presetClass="entr" presetSubtype="0" fill="hold" grpId="0" nodeType="withEffect">
+                                  <p:stCondLst>
+                                    <p:cond delay="0"/>
+                                  </p:stCondLst>
+                                  <p:childTnLst>
+                                    <p:set>
+                                      <p:cBhvr>
+                                        <p:cTn id="32" dur="1" fill="hold">
+                                          <p:stCondLst>
+                                            <p:cond delay="0"/>
+                                          </p:stCondLst>
+                                        </p:cTn>
+                                        <p:tgtEl>
+                                          <p:spTgt spid="34"/>
+                                        </p:tgtEl>
+                                        <p:attrNameLst>
+                                          <p:attrName>style.visibility</p:attrName>
+                                        </p:attrNameLst>
+                                      </p:cBhvr>
+                                      <p:to>
+                                        <p:strVal val="visible"/>
+                                      </p:to>
+                                    </p:set>
+                                  </p:childTnLst>
+                                </p:cTn>
+                              </p:par>
+                              <p:par>
+                                <p:cTn id="33" presetID="1" presetClass="entr" presetSubtype="0" fill="hold" grpId="0" nodeType="withEffect">
+                                  <p:stCondLst>
+                                    <p:cond delay="0"/>
+                                  </p:stCondLst>
+                                  <p:childTnLst>
+                                    <p:set>
+                                      <p:cBhvr>
+                                        <p:cTn id="34" dur="1" fill="hold">
+                                          <p:stCondLst>
+                                            <p:cond delay="0"/>
+                                          </p:stCondLst>
+                                        </p:cTn>
+                                        <p:tgtEl>
+                                          <p:spTgt spid="53"/>
+                                        </p:tgtEl>
+                                        <p:attrNameLst>
+                                          <p:attrName>style.visibility</p:attrName>
+                                        </p:attrNameLst>
+                                      </p:cBhvr>
+                                      <p:to>
+                                        <p:strVal val="visible"/>
+                                      </p:to>
+                                    </p:set>
+                                  </p:childTnLst>
+                                </p:cTn>
+                              </p:par>
+                              <p:par>
+                                <p:cTn id="35" presetID="1" presetClass="entr" presetSubtype="0" fill="hold" nodeType="withEffect">
+                                  <p:stCondLst>
+                                    <p:cond delay="0"/>
+                                  </p:stCondLst>
+                                  <p:childTnLst>
+                                    <p:set>
+                                      <p:cBhvr>
+                                        <p:cTn id="36" dur="1" fill="hold">
+                                          <p:stCondLst>
+                                            <p:cond delay="0"/>
+                                          </p:stCondLst>
+                                        </p:cTn>
+                                        <p:tgtEl>
+                                          <p:spTgt spid="51"/>
+                                        </p:tgtEl>
+                                        <p:attrNameLst>
+                                          <p:attrName>style.visibility</p:attrName>
+                                        </p:attrNameLst>
+                                      </p:cBhvr>
+                                      <p:to>
+                                        <p:strVal val="visible"/>
+                                      </p:to>
+                                    </p:set>
+                                  </p:childTnLst>
+                                </p:cTn>
+                              </p:par>
+                              <p:par>
+                                <p:cTn id="37" presetID="1" presetClass="entr" presetSubtype="0" fill="hold" nodeType="withEffect">
+                                  <p:stCondLst>
+                                    <p:cond delay="0"/>
+                                  </p:stCondLst>
+                                  <p:childTnLst>
+                                    <p:set>
+                                      <p:cBhvr>
+                                        <p:cTn id="38" dur="1" fill="hold">
+                                          <p:stCondLst>
+                                            <p:cond delay="0"/>
+                                          </p:stCondLst>
+                                        </p:cTn>
+                                        <p:tgtEl>
+                                          <p:spTgt spid="3093"/>
+                                        </p:tgtEl>
+                                        <p:attrNameLst>
+                                          <p:attrName>style.visibility</p:attrName>
+                                        </p:attrNameLst>
+                                      </p:cBhvr>
+                                      <p:to>
+                                        <p:strVal val="visible"/>
+                                      </p:to>
+                                    </p:set>
+                                  </p:childTnLst>
+                                </p:cTn>
+                              </p:par>
+                              <p:par>
+                                <p:cTn id="39" presetID="1" presetClass="entr" presetSubtype="0" fill="hold" nodeType="withEffect">
+                                  <p:stCondLst>
+                                    <p:cond delay="0"/>
+                                  </p:stCondLst>
+                                  <p:childTnLst>
+                                    <p:set>
+                                      <p:cBhvr>
+                                        <p:cTn id="40" dur="1" fill="hold">
+                                          <p:stCondLst>
+                                            <p:cond delay="0"/>
+                                          </p:stCondLst>
+                                        </p:cTn>
+                                        <p:tgtEl>
+                                          <p:spTgt spid="49"/>
+                                        </p:tgtEl>
+                                        <p:attrNameLst>
+                                          <p:attrName>style.visibility</p:attrName>
+                                        </p:attrNameLst>
+                                      </p:cBhvr>
+                                      <p:to>
+                                        <p:strVal val="visible"/>
+                                      </p:to>
+                                    </p:set>
+                                  </p:childTnLst>
+                                </p:cTn>
+                              </p:par>
+                              <p:par>
+                                <p:cTn id="41" presetID="1" presetClass="entr" presetSubtype="0" fill="hold" nodeType="withEffect">
+                                  <p:stCondLst>
+                                    <p:cond delay="0"/>
+                                  </p:stCondLst>
+                                  <p:childTnLst>
+                                    <p:set>
+                                      <p:cBhvr>
+                                        <p:cTn id="42" dur="1" fill="hold">
+                                          <p:stCondLst>
+                                            <p:cond delay="0"/>
+                                          </p:stCondLst>
+                                        </p:cTn>
+                                        <p:tgtEl>
+                                          <p:spTgt spid="3085"/>
+                                        </p:tgtEl>
+                                        <p:attrNameLst>
+                                          <p:attrName>style.visibility</p:attrName>
+                                        </p:attrNameLst>
+                                      </p:cBhvr>
+                                      <p:to>
+                                        <p:strVal val="visible"/>
+                                      </p:to>
+                                    </p:set>
+                                  </p:childTnLst>
+                                </p:cTn>
+                              </p:par>
+                              <p:par>
+                                <p:cTn id="43" presetID="1" presetClass="entr" presetSubtype="0" fill="hold" nodeType="withEffect">
+                                  <p:stCondLst>
+                                    <p:cond delay="0"/>
+                                  </p:stCondLst>
+                                  <p:childTnLst>
+                                    <p:set>
+                                      <p:cBhvr>
+                                        <p:cTn id="44" dur="1" fill="hold">
+                                          <p:stCondLst>
+                                            <p:cond delay="0"/>
+                                          </p:stCondLst>
+                                        </p:cTn>
+                                        <p:tgtEl>
+                                          <p:spTgt spid="3083"/>
+                                        </p:tgtEl>
+                                        <p:attrNameLst>
+                                          <p:attrName>style.visibility</p:attrName>
+                                        </p:attrNameLst>
+                                      </p:cBhvr>
+                                      <p:to>
+                                        <p:strVal val="visible"/>
+                                      </p:to>
+                                    </p:set>
+                                  </p:childTnLst>
+                                </p:cTn>
+                              </p:par>
+                            </p:childTnLst>
+                          </p:cTn>
+                        </p:par>
+                      </p:childTnLst>
+                    </p:cTn>
+                  </p:par>
+                  <p:par>
+                    <p:cTn id="45" fill="hold">
+                      <p:stCondLst>
+                        <p:cond delay="indefinite"/>
+                      </p:stCondLst>
+                      <p:childTnLst>
+                        <p:par>
+                          <p:cTn id="46" fill="hold">
+                            <p:stCondLst>
+                              <p:cond delay="0"/>
+                            </p:stCondLst>
+                            <p:childTnLst>
+                              <p:par>
+                                <p:cTn id="47" presetID="1" presetClass="entr" presetSubtype="0" fill="hold" nodeType="clickEffect">
+                                  <p:stCondLst>
+                                    <p:cond delay="0"/>
+                                  </p:stCondLst>
+                                  <p:childTnLst>
+                                    <p:set>
+                                      <p:cBhvr>
+                                        <p:cTn id="48" dur="1" fill="hold">
+                                          <p:stCondLst>
+                                            <p:cond delay="0"/>
+                                          </p:stCondLst>
+                                        </p:cTn>
+                                        <p:tgtEl>
+                                          <p:spTgt spid="66"/>
+                                        </p:tgtEl>
+                                        <p:attrNameLst>
+                                          <p:attrName>style.visibility</p:attrName>
+                                        </p:attrNameLst>
+                                      </p:cBhvr>
+                                      <p:to>
+                                        <p:strVal val="visible"/>
+                                      </p:to>
+                                    </p:set>
+                                  </p:childTnLst>
+                                </p:cTn>
+                              </p:par>
+                              <p:par>
+                                <p:cTn id="49" presetID="1" presetClass="entr" presetSubtype="0" fill="hold" grpId="0" nodeType="withEffect">
+                                  <p:stCondLst>
+                                    <p:cond delay="0"/>
+                                  </p:stCondLst>
+                                  <p:childTnLst>
+                                    <p:set>
+                                      <p:cBhvr>
+                                        <p:cTn id="50" dur="1" fill="hold">
+                                          <p:stCondLst>
+                                            <p:cond delay="0"/>
+                                          </p:stCondLst>
+                                        </p:cTn>
+                                        <p:tgtEl>
+                                          <p:spTgt spid="92"/>
+                                        </p:tgtEl>
+                                        <p:attrNameLst>
+                                          <p:attrName>style.visibility</p:attrName>
+                                        </p:attrNameLst>
+                                      </p:cBhvr>
+                                      <p:to>
+                                        <p:strVal val="visible"/>
+                                      </p:to>
+                                    </p:set>
+                                  </p:childTnLst>
+                                </p:cTn>
+                              </p:par>
+                              <p:par>
+                                <p:cTn id="51" presetID="1" presetClass="entr" presetSubtype="0" fill="hold" nodeType="withEffect">
+                                  <p:stCondLst>
+                                    <p:cond delay="0"/>
+                                  </p:stCondLst>
+                                  <p:childTnLst>
+                                    <p:set>
+                                      <p:cBhvr>
+                                        <p:cTn id="52" dur="1" fill="hold">
+                                          <p:stCondLst>
+                                            <p:cond delay="0"/>
+                                          </p:stCondLst>
+                                        </p:cTn>
+                                        <p:tgtEl>
+                                          <p:spTgt spid="61"/>
+                                        </p:tgtEl>
+                                        <p:attrNameLst>
+                                          <p:attrName>style.visibility</p:attrName>
+                                        </p:attrNameLst>
+                                      </p:cBhvr>
+                                      <p:to>
+                                        <p:strVal val="visible"/>
+                                      </p:to>
+                                    </p:set>
+                                  </p:childTnLst>
+                                </p:cTn>
+                              </p:par>
+                              <p:par>
+                                <p:cTn id="53" presetID="1" presetClass="entr" presetSubtype="0" fill="hold" nodeType="withEffect">
+                                  <p:stCondLst>
+                                    <p:cond delay="0"/>
+                                  </p:stCondLst>
+                                  <p:childTnLst>
+                                    <p:set>
+                                      <p:cBhvr>
+                                        <p:cTn id="54" dur="1" fill="hold">
+                                          <p:stCondLst>
+                                            <p:cond delay="0"/>
+                                          </p:stCondLst>
+                                        </p:cTn>
+                                        <p:tgtEl>
+                                          <p:spTgt spid="63"/>
+                                        </p:tgtEl>
+                                        <p:attrNameLst>
+                                          <p:attrName>style.visibility</p:attrName>
+                                        </p:attrNameLst>
+                                      </p:cBhvr>
+                                      <p:to>
+                                        <p:strVal val="visible"/>
+                                      </p:to>
+                                    </p:set>
+                                  </p:childTnLst>
+                                </p:cTn>
+                              </p:par>
+                              <p:par>
+                                <p:cTn id="55" presetID="1" presetClass="entr" presetSubtype="0" fill="hold" grpId="0" nodeType="withEffect">
+                                  <p:stCondLst>
+                                    <p:cond delay="0"/>
+                                  </p:stCondLst>
+                                  <p:childTnLst>
+                                    <p:set>
+                                      <p:cBhvr>
+                                        <p:cTn id="56" dur="1" fill="hold">
+                                          <p:stCondLst>
+                                            <p:cond delay="0"/>
+                                          </p:stCondLst>
+                                        </p:cTn>
+                                        <p:tgtEl>
+                                          <p:spTgt spid="70"/>
+                                        </p:tgtEl>
+                                        <p:attrNameLst>
+                                          <p:attrName>style.visibility</p:attrName>
+                                        </p:attrNameLst>
+                                      </p:cBhvr>
+                                      <p:to>
+                                        <p:strVal val="visible"/>
+                                      </p:to>
+                                    </p:set>
+                                  </p:childTnLst>
+                                </p:cTn>
+                              </p:par>
+                              <p:par>
+                                <p:cTn id="57" presetID="1" presetClass="entr" presetSubtype="0" fill="hold" nodeType="withEffect">
+                                  <p:stCondLst>
+                                    <p:cond delay="0"/>
+                                  </p:stCondLst>
+                                  <p:childTnLst>
+                                    <p:set>
+                                      <p:cBhvr>
+                                        <p:cTn id="58" dur="1" fill="hold">
+                                          <p:stCondLst>
+                                            <p:cond delay="0"/>
+                                          </p:stCondLst>
+                                        </p:cTn>
+                                        <p:tgtEl>
+                                          <p:spTgt spid="75"/>
+                                        </p:tgtEl>
+                                        <p:attrNameLst>
+                                          <p:attrName>style.visibility</p:attrName>
+                                        </p:attrNameLst>
+                                      </p:cBhvr>
+                                      <p:to>
+                                        <p:strVal val="visible"/>
+                                      </p:to>
+                                    </p:set>
+                                  </p:childTnLst>
+                                </p:cTn>
+                              </p:par>
+                            </p:childTnLst>
+                          </p:cTn>
+                        </p:par>
+                      </p:childTnLst>
+                    </p:cTn>
+                  </p:par>
+                </p:childTnLst>
+              </p:cTn>
+              <p:prevCondLst>
+                <p:cond evt="onPrev" delay="0">
+                  <p:tgtEl>
+                    <p:sldTgt/>
+                  </p:tgtEl>
+                </p:cond>
+              </p:prevCondLst>
+              <p:nextCondLst>
+                <p:cond evt="onNext" delay="0">
+                  <p:tgtEl>
+                    <p:sldTgt/>
+                  </p:tgtEl>
+                </p:cond>
+              </p:nextCondLst>
+            </p:seq>
+          </p:childTnLst>
+        </p:cTn>
+      </p:par>
+    </p:tnLst>
+    <p:bldLst>
+      <p:bldP spid="3087" grpId="0" animBg="1"/>
+      <p:bldP spid="9" grpId="0" animBg="1"/>
+      <p:bldP spid="3079" grpId="0"/>
+      <p:bldP spid="41" grpId="0"/>
+      <p:bldP spid="53" grpId="0" animBg="1"/>
+      <p:bldP spid="34" grpId="0"/>
+      <p:bldP spid="92" grpId="0" animBg="1"/>
+      <p:bldP spid="70" grpId="0"/>
+    </p:bldLst>
   </p:timing>
 </p:sld>
 </file>
@@ -6147,25 +8811,150 @@
           <a:lstStyle/>
           <a:p>
             <a:r>
-              <a:rPr lang="en-US" dirty="0"/>
-              <a:t>Your most important security goals</a:t>
-            </a:r>
-            <a:r>
               <a:rPr lang="en-US" dirty="0" smtClean="0"/>
+              <a:t>Other features</a:t>
+            </a:r>
+            <a:endParaRPr lang="en-US" dirty="0"/>
+          </a:p>
+        </p:txBody>
+      </p:sp>
+      <p:sp>
+        <p:nvSpPr>
+          <p:cNvPr id="3" name="Content Placeholder 2"/>
+          <p:cNvSpPr>
+            <a:spLocks noGrp="1"/>
+          </p:cNvSpPr>
+          <p:nvPr>
+            <p:ph sz="half" idx="1"/>
+          </p:nvPr>
+        </p:nvSpPr>
+        <p:spPr/>
+        <p:txBody>
+          <a:bodyPr>
+            <a:normAutofit/>
+          </a:bodyPr>
+          <a:lstStyle/>
+          <a:p>
+            <a:pPr lvl="1"/>
+            <a:r>
+              <a:rPr lang="en-US" sz="2400" dirty="0" smtClean="0"/>
+              <a:t>We use </a:t>
+            </a:r>
+            <a:r>
+              <a:rPr lang="en-US" sz="2400" dirty="0" smtClean="0">
+                <a:solidFill>
+                  <a:srgbClr val="00B050"/>
+                </a:solidFill>
+              </a:rPr>
+              <a:t>TLS1.2 with perfect forward secrecy.</a:t>
+            </a:r>
+            <a:endParaRPr lang="en-US" sz="2400" dirty="0" smtClean="0"/>
+          </a:p>
+          <a:p>
+            <a:pPr lvl="1"/>
+            <a:r>
+              <a:rPr lang="en-US" sz="2400" dirty="0" smtClean="0"/>
+              <a:t>The </a:t>
+            </a:r>
+            <a:r>
+              <a:rPr lang="en-US" sz="2400" dirty="0" smtClean="0">
+                <a:solidFill>
+                  <a:srgbClr val="00B050"/>
+                </a:solidFill>
+              </a:rPr>
+              <a:t>c</a:t>
+            </a:r>
+            <a:r>
+              <a:rPr lang="en-US" sz="2400" dirty="0" smtClean="0">
+                <a:solidFill>
+                  <a:srgbClr val="00B050"/>
+                </a:solidFill>
+              </a:rPr>
+              <a:t>lient </a:t>
+            </a:r>
+            <a:r>
+              <a:rPr lang="en-US" sz="2400" dirty="0" smtClean="0">
+                <a:solidFill>
+                  <a:srgbClr val="00B050"/>
+                </a:solidFill>
+              </a:rPr>
+              <a:t>authenticates the server</a:t>
+            </a:r>
+            <a:r>
+              <a:rPr lang="en-US" sz="2400" dirty="0" smtClean="0"/>
+              <a:t> with a Certificate by our own CA (</a:t>
+            </a:r>
+            <a:r>
+              <a:rPr lang="en-US" sz="2400" dirty="0" smtClean="0">
+                <a:solidFill>
+                  <a:srgbClr val="FF0000"/>
+                </a:solidFill>
+              </a:rPr>
+              <a:t>no hostname verification</a:t>
+            </a:r>
+            <a:r>
+              <a:rPr lang="en-US" sz="2400" dirty="0" smtClean="0"/>
+              <a:t>, but we only sign certificates for ourselves</a:t>
+            </a:r>
+            <a:r>
+              <a:rPr lang="en-US" sz="2400" dirty="0" smtClean="0"/>
+              <a:t>).</a:t>
+            </a:r>
+            <a:endParaRPr lang="en-US" sz="2400" dirty="0" smtClean="0"/>
+          </a:p>
+          <a:p>
+            <a:pPr lvl="1"/>
+            <a:r>
+              <a:rPr lang="en-US" sz="2400" dirty="0" smtClean="0"/>
+              <a:t>The server collects </a:t>
+            </a:r>
+            <a:r>
+              <a:rPr lang="en-US" sz="2400" dirty="0" smtClean="0">
+                <a:solidFill>
+                  <a:srgbClr val="00B050"/>
+                </a:solidFill>
+              </a:rPr>
+              <a:t>Tamperproof Logs</a:t>
+            </a:r>
+            <a:endParaRPr lang="en-US" sz="2400" dirty="0" smtClean="0"/>
+          </a:p>
+          <a:p>
+            <a:pPr lvl="1"/>
+            <a:r>
+              <a:rPr lang="en-US" sz="2400" dirty="0" smtClean="0"/>
+              <a:t>Encryption using </a:t>
+            </a:r>
+            <a:r>
+              <a:rPr lang="en-US" sz="2400" dirty="0" smtClean="0">
+                <a:solidFill>
+                  <a:srgbClr val="00B050"/>
+                </a:solidFill>
+              </a:rPr>
+              <a:t>AES in GCM mode</a:t>
+            </a:r>
+            <a:r>
+              <a:rPr lang="en-US" sz="2400" dirty="0" smtClean="0"/>
               <a:t>.</a:t>
             </a:r>
-            <a:endParaRPr lang="en-US" dirty="0"/>
-          </a:p>
-        </p:txBody>
-      </p:sp>
-      <p:sp>
-        <p:nvSpPr>
-          <p:cNvPr id="3" name="Content Placeholder 2"/>
-          <p:cNvSpPr>
-            <a:spLocks noGrp="1"/>
-          </p:cNvSpPr>
-          <p:nvPr>
-            <p:ph idx="1"/>
+          </a:p>
+          <a:p>
+            <a:pPr lvl="1"/>
+            <a:r>
+              <a:rPr lang="en-US" sz="2400" dirty="0" smtClean="0"/>
+              <a:t>Reference Monitor</a:t>
+            </a:r>
+            <a:endParaRPr lang="en-US" sz="2400" dirty="0"/>
+          </a:p>
+        </p:txBody>
+      </p:sp>
+      <p:sp>
+        <p:nvSpPr>
+          <p:cNvPr id="4" name="Footer Placeholder 3"/>
+          <p:cNvSpPr>
+            <a:spLocks noGrp="1"/>
+          </p:cNvSpPr>
+          <p:nvPr>
+            <p:ph type="ftr" sz="quarter" idx="11"/>
           </p:nvPr>
         </p:nvSpPr>
         <p:spPr/>
@@ -6173,28 +8962,9 @@
           <a:bodyPr/>
           <a:lstStyle/>
           <a:p>
-            <a:endParaRPr lang="en-US"/>
-          </a:p>
-        </p:txBody>
-      </p:sp>
-      <p:sp>
-        <p:nvSpPr>
-          <p:cNvPr id="4" name="Footer Placeholder 3"/>
-          <p:cNvSpPr>
-            <a:spLocks noGrp="1"/>
-          </p:cNvSpPr>
-          <p:nvPr>
-            <p:ph type="ftr" sz="quarter" idx="11"/>
-          </p:nvPr>
-        </p:nvSpPr>
-        <p:spPr/>
-        <p:txBody>
-          <a:bodyPr/>
-          <a:lstStyle/>
-          <a:p>
-            <a:r>
-              <a:rPr lang="en-US" smtClean="0"/>
-              <a:t>Continuous authentication with decision fusion</a:t>
+            <a:r>
+              <a:rPr lang="en-US" smtClean="0"/>
+              <a:t>Kryptose™</a:t>
             </a:r>
             <a:endParaRPr lang="en-US" dirty="0"/>
           </a:p>
@@ -6223,10 +8993,53 @@
           </a:p>
         </p:txBody>
       </p:sp>
+      <p:pic>
+        <p:nvPicPr>
+          <p:cNvPr id="3074" name="Picture 2" descr="http://www.outdoor365.co.uk/images/products/zoom/1293648525-78029400.jpg"/>
+          <p:cNvPicPr>
+            <a:picLocks noGrp="1" noChangeAspect="1" noChangeArrowheads="1"/>
+          </p:cNvPicPr>
+          <p:nvPr>
+            <p:ph sz="half" idx="2"/>
+          </p:nvPr>
+        </p:nvPicPr>
+        <p:blipFill>
+          <a:blip r:embed="rId2">
+            <a:extLst>
+              <a:ext uri="{28A0092B-C50C-407E-A947-70E740481C1C}">
+                <a14:useLocalDpi xmlns:a14="http://schemas.microsoft.com/office/drawing/2010/main" val="0"/>
+              </a:ext>
+            </a:extLst>
+          </a:blip>
+          <a:srcRect/>
+          <a:stretch>
+            <a:fillRect/>
+          </a:stretch>
+        </p:blipFill>
+        <p:spPr bwMode="auto">
+          <a:xfrm>
+            <a:off x="6675438" y="1846263"/>
+            <a:ext cx="4022725" cy="4022725"/>
+          </a:xfrm>
+          <a:prstGeom prst="rect">
+            <a:avLst/>
+          </a:prstGeom>
+          <a:noFill/>
+          <a:extLst>
+            <a:ext uri="{909E8E84-426E-40DD-AFC4-6F175D3DCCD1}">
+              <a14:hiddenFill xmlns:a14="http://schemas.microsoft.com/office/drawing/2010/main">
+                <a:solidFill>
+                  <a:srgbClr val="FFFFFF"/>
+                </a:solidFill>
+              </a14:hiddenFill>
+            </a:ext>
+          </a:extLst>
+        </p:spPr>
+      </p:pic>
     </p:spTree>
     <p:extLst>
       <p:ext uri="{BB962C8B-B14F-4D97-AF65-F5344CB8AC3E}">
-        <p14:creationId xmlns:p14="http://schemas.microsoft.com/office/powerpoint/2010/main" val="256907353"/>
+        <p14:creationId xmlns:p14="http://schemas.microsoft.com/office/powerpoint/2010/main" val="481524590"/>
       </p:ext>
     </p:extLst>
   </p:cSld>
@@ -6272,31 +9085,25 @@
         </p:nvSpPr>
         <p:spPr/>
         <p:txBody>
-          <a:bodyPr>
-            <a:normAutofit fontScale="90000"/>
-          </a:bodyPr>
-          <a:lstStyle/>
-          <a:p>
-            <a:r>
-              <a:rPr lang="en-US" dirty="0"/>
-              <a:t>The design of the security of your system, including any trade-offs you made and any shortcomings you're aware of in your final system</a:t>
-            </a:r>
+          <a:bodyPr/>
+          <a:lstStyle/>
+          <a:p>
             <a:r>
               <a:rPr lang="en-US" dirty="0" smtClean="0"/>
-              <a:t>.</a:t>
-            </a:r>
-            <a:endParaRPr lang="en-US" dirty="0"/>
-          </a:p>
-        </p:txBody>
-      </p:sp>
-      <p:sp>
-        <p:nvSpPr>
-          <p:cNvPr id="3" name="Content Placeholder 2"/>
-          <p:cNvSpPr>
-            <a:spLocks noGrp="1"/>
-          </p:cNvSpPr>
-          <p:nvPr>
-            <p:ph idx="1"/>
+              <a:t>Testing</a:t>
+            </a:r>
+            <a:endParaRPr lang="en-US" dirty="0"/>
+          </a:p>
+        </p:txBody>
+      </p:sp>
+      <p:sp>
+        <p:nvSpPr>
+          <p:cNvPr id="4" name="Footer Placeholder 3"/>
+          <p:cNvSpPr>
+            <a:spLocks noGrp="1"/>
+          </p:cNvSpPr>
+          <p:nvPr>
+            <p:ph type="ftr" sz="quarter" idx="11"/>
           </p:nvPr>
         </p:nvSpPr>
         <p:spPr/>
@@ -6304,28 +9111,9 @@
           <a:bodyPr/>
           <a:lstStyle/>
           <a:p>
-            <a:endParaRPr lang="en-US" dirty="0"/>
-          </a:p>
-        </p:txBody>
-      </p:sp>
-      <p:sp>
-        <p:nvSpPr>
-          <p:cNvPr id="4" name="Footer Placeholder 3"/>
-          <p:cNvSpPr>
-            <a:spLocks noGrp="1"/>
-          </p:cNvSpPr>
-          <p:nvPr>
-            <p:ph type="ftr" sz="quarter" idx="11"/>
-          </p:nvPr>
-        </p:nvSpPr>
-        <p:spPr/>
-        <p:txBody>
-          <a:bodyPr/>
-          <a:lstStyle/>
-          <a:p>
-            <a:r>
-              <a:rPr lang="en-US" smtClean="0"/>
-              <a:t>Continuous authentication with decision fusion</a:t>
+            <a:r>
+              <a:rPr lang="en-US" smtClean="0"/>
+              <a:t>Kryptose™</a:t>
             </a:r>
             <a:endParaRPr lang="en-US" dirty="0"/>
           </a:p>
@@ -6354,10 +9142,135 @@
           </a:p>
         </p:txBody>
       </p:sp>
+      <p:sp>
+        <p:nvSpPr>
+          <p:cNvPr id="7" name="Content Placeholder 6"/>
+          <p:cNvSpPr>
+            <a:spLocks noGrp="1"/>
+          </p:cNvSpPr>
+          <p:nvPr>
+            <p:ph sz="half" idx="2"/>
+          </p:nvPr>
+        </p:nvSpPr>
+        <p:spPr/>
+        <p:txBody>
+          <a:bodyPr/>
+          <a:lstStyle/>
+          <a:p>
+            <a:pPr lvl="1"/>
+            <a:r>
+              <a:rPr lang="en-US" dirty="0">
+                <a:solidFill>
+                  <a:srgbClr val="00B050"/>
+                </a:solidFill>
+              </a:rPr>
+              <a:t>Junit tests</a:t>
+            </a:r>
+            <a:r>
+              <a:rPr lang="en-US" dirty="0"/>
+              <a:t> for the cryptographic functionalities and the reference monitor </a:t>
+            </a:r>
+            <a:br>
+              <a:rPr lang="en-US" dirty="0"/>
+            </a:br>
+            <a:r>
+              <a:rPr lang="en-US" dirty="0"/>
+              <a:t>( </a:t>
+            </a:r>
+            <a:r>
+              <a:rPr lang="en-US" dirty="0">
+                <a:solidFill>
+                  <a:srgbClr val="00B050"/>
+                </a:solidFill>
+              </a:rPr>
+              <a:t>&gt;70% coverage</a:t>
+            </a:r>
+            <a:r>
+              <a:rPr lang="en-US" dirty="0"/>
+              <a:t>, with manual inspection of the missing parts)</a:t>
+            </a:r>
+          </a:p>
+          <a:p>
+            <a:pPr lvl="1"/>
+            <a:endParaRPr lang="en-US" dirty="0"/>
+          </a:p>
+          <a:p>
+            <a:pPr lvl="1"/>
+            <a:r>
+              <a:rPr lang="en-US" dirty="0"/>
+              <a:t>Integration and unusual context testing for the SSL communication code</a:t>
+            </a:r>
+            <a:br>
+              <a:rPr lang="en-US" dirty="0"/>
+            </a:br>
+            <a:r>
+              <a:rPr lang="en-US" dirty="0"/>
+              <a:t>(weak SSL versions are not accepted, certificates are actually checked, we only accept our own certificates and exclude the trust anchors from the OS store)</a:t>
+            </a:r>
+          </a:p>
+          <a:p>
+            <a:pPr lvl="1"/>
+            <a:endParaRPr lang="en-US" dirty="0"/>
+          </a:p>
+          <a:p>
+            <a:pPr lvl="1"/>
+            <a:r>
+              <a:rPr lang="en-US" dirty="0"/>
+              <a:t>Extensive usage testing for the rest of the code and program logic</a:t>
+            </a:r>
+          </a:p>
+          <a:p>
+            <a:endParaRPr lang="en-US" dirty="0"/>
+          </a:p>
+        </p:txBody>
+      </p:sp>
+      <p:pic>
+        <p:nvPicPr>
+          <p:cNvPr id="9" name="Picture 2" descr="http://www.samprasoft.com/sites/all/themes/theme551/images/mobile-web-app-testing.png"/>
+          <p:cNvPicPr>
+            <a:picLocks noGrp="1" noChangeAspect="1" noChangeArrowheads="1"/>
+          </p:cNvPicPr>
+          <p:nvPr>
+            <p:ph sz="half" idx="1"/>
+          </p:nvPr>
+        </p:nvPicPr>
+        <p:blipFill>
+          <a:blip r:embed="rId2">
+            <a:extLst>
+              <a:ext uri="{28A0092B-C50C-407E-A947-70E740481C1C}">
+                <a14:useLocalDpi xmlns:a14="http://schemas.microsoft.com/office/drawing/2010/main" val="0"/>
+              </a:ext>
+            </a:extLst>
+          </a:blip>
+          <a:srcRect/>
+          <a:stretch>
+            <a:fillRect/>
+          </a:stretch>
+        </p:blipFill>
+        <p:spPr bwMode="auto">
+          <a:xfrm>
+            <a:off x="2266156" y="2400300"/>
+            <a:ext cx="2600325" cy="2914650"/>
+          </a:xfrm>
+          <a:prstGeom prst="rect">
+            <a:avLst/>
+          </a:prstGeom>
+          <a:noFill/>
+          <a:extLst>
+            <a:ext uri="{909E8E84-426E-40DD-AFC4-6F175D3DCCD1}">
+              <a14:hiddenFill xmlns:a14="http://schemas.microsoft.com/office/drawing/2010/main">
+                <a:solidFill>
+                  <a:srgbClr val="FFFFFF"/>
+                </a:solidFill>
+              </a14:hiddenFill>
+            </a:ext>
+          </a:extLst>
+        </p:spPr>
+      </p:pic>
     </p:spTree>
     <p:extLst>
       <p:ext uri="{BB962C8B-B14F-4D97-AF65-F5344CB8AC3E}">
-        <p14:creationId xmlns:p14="http://schemas.microsoft.com/office/powerpoint/2010/main" val="4230440245"/>
+        <p14:creationId xmlns:p14="http://schemas.microsoft.com/office/powerpoint/2010/main" val="2616958603"/>
       </p:ext>
     </p:extLst>
   </p:cSld>
@@ -6408,65 +9321,21 @@
           <a:p>
             <a:r>
               <a:rPr lang="en-US" dirty="0" smtClean="0"/>
-              <a:t>One password for encryption and authorization</a:t>
-            </a:r>
-            <a:endParaRPr lang="en-US" dirty="0"/>
-          </a:p>
-        </p:txBody>
-      </p:sp>
-      <p:sp>
-        <p:nvSpPr>
-          <p:cNvPr id="4" name="Footer Placeholder 3"/>
-          <p:cNvSpPr>
-            <a:spLocks noGrp="1"/>
-          </p:cNvSpPr>
-          <p:nvPr>
-            <p:ph type="ftr" sz="quarter" idx="11"/>
-          </p:nvPr>
-        </p:nvSpPr>
-        <p:spPr/>
-        <p:txBody>
-          <a:bodyPr/>
-          <a:lstStyle/>
-          <a:p>
-            <a:r>
-              <a:rPr lang="en-US" smtClean="0"/>
-              <a:t>Continuous authentication with decision fusion</a:t>
-            </a:r>
-            <a:endParaRPr lang="en-US" dirty="0"/>
-          </a:p>
-        </p:txBody>
-      </p:sp>
-      <p:sp>
-        <p:nvSpPr>
-          <p:cNvPr id="5" name="Slide Number Placeholder 4"/>
-          <p:cNvSpPr>
-            <a:spLocks noGrp="1"/>
-          </p:cNvSpPr>
-          <p:nvPr>
-            <p:ph type="sldNum" sz="quarter" idx="12"/>
-          </p:nvPr>
-        </p:nvSpPr>
-        <p:spPr/>
-        <p:txBody>
-          <a:bodyPr/>
-          <a:lstStyle/>
-          <a:p>
-            <a:fld id="{4CE482DC-2269-4F26-9D2A-7E44B1A4CD85}" type="slidenum">
-              <a:rPr lang="en-US" smtClean="0"/>
-              <a:t>9</a:t>
-            </a:fld>
+              <a:t>Limitations….</a:t>
+            </a:r>
             <a:endParaRPr lang="en-US" dirty="0"/>
           </a:p>
         </p:txBody>
       </p:sp>
       <p:pic>
         <p:nvPicPr>
-          <p:cNvPr id="6" name="Picture 2" descr="http://images.clipartpanda.com/salt-clipart-salt-of-the-earth.jpg"/>
+          <p:cNvPr id="6" name="Content Placeholder 5"/>
           <p:cNvPicPr>
-            <a:picLocks noChangeAspect="1" noChangeArrowheads="1"/>
+            <a:picLocks noGrp="1" noChangeAspect="1"/>
           </p:cNvPicPr>
-          <p:nvPr/>
+          <p:nvPr>
+            <p:ph idx="1"/>
+          </p:nvPr>
         </p:nvPicPr>
         <p:blipFill>
           <a:blip r:embed="rId2">
@@ -6476,232 +9345,67 @@
               </a:ext>
             </a:extLst>
           </a:blip>
-          <a:srcRect/>
           <a:stretch>
             <a:fillRect/>
           </a:stretch>
         </p:blipFill>
-        <p:spPr bwMode="auto">
-          <a:xfrm flipH="1">
-            <a:off x="794579" y="2750305"/>
-            <a:ext cx="947420" cy="1349636"/>
-          </a:xfrm>
-          <a:prstGeom prst="rect">
-            <a:avLst/>
-          </a:prstGeom>
-          <a:noFill/>
-          <a:extLst>
-            <a:ext uri="{909E8E84-426E-40DD-AFC4-6F175D3DCCD1}">
-              <a14:hiddenFill xmlns:a14="http://schemas.microsoft.com/office/drawing/2010/main">
-                <a:solidFill>
-                  <a:srgbClr val="FFFFFF"/>
-                </a:solidFill>
-              </a14:hiddenFill>
-            </a:ext>
-          </a:extLst>
+        <p:spPr>
+          <a:xfrm>
+            <a:off x="2613229" y="1828094"/>
+            <a:ext cx="6304434" cy="4198753"/>
+          </a:xfrm>
         </p:spPr>
       </p:pic>
       <p:sp>
         <p:nvSpPr>
-          <p:cNvPr id="7" name="TextBox 6"/>
-          <p:cNvSpPr txBox="1"/>
-          <p:nvPr/>
-        </p:nvSpPr>
-        <p:spPr>
-          <a:xfrm>
-            <a:off x="317500" y="3776776"/>
-            <a:ext cx="1959999" cy="369332"/>
-          </a:xfrm>
-          <a:prstGeom prst="rect">
-            <a:avLst/>
-          </a:prstGeom>
-          <a:noFill/>
-        </p:spPr>
-        <p:txBody>
-          <a:bodyPr wrap="square" rtlCol="0">
-            <a:spAutoFit/>
-          </a:bodyPr>
-          <a:lstStyle/>
-          <a:p>
-            <a:r>
-              <a:rPr lang="en-US" dirty="0" smtClean="0"/>
-              <a:t>Master Password</a:t>
-            </a:r>
-            <a:endParaRPr lang="en-US" dirty="0"/>
-          </a:p>
-        </p:txBody>
-      </p:sp>
-      <p:sp>
-        <p:nvSpPr>
-          <p:cNvPr id="9" name="Rounded Rectangle 8"/>
-          <p:cNvSpPr/>
-          <p:nvPr/>
-        </p:nvSpPr>
-        <p:spPr>
-          <a:xfrm>
-            <a:off x="2277499" y="3521649"/>
-            <a:ext cx="1689100" cy="647700"/>
-          </a:xfrm>
-          <a:prstGeom prst="roundRect">
-            <a:avLst/>
-          </a:prstGeom>
-        </p:spPr>
-        <p:style>
-          <a:lnRef idx="2">
-            <a:schemeClr val="accent1">
-              <a:shade val="50000"/>
-            </a:schemeClr>
-          </a:lnRef>
-          <a:fillRef idx="1">
-            <a:schemeClr val="accent1"/>
-          </a:fillRef>
-          <a:effectRef idx="0">
-            <a:schemeClr val="accent1"/>
-          </a:effectRef>
-          <a:fontRef idx="minor">
-            <a:schemeClr val="lt1"/>
-          </a:fontRef>
-        </p:style>
-        <p:txBody>
-          <a:bodyPr rtlCol="0" anchor="ctr"/>
-          <a:lstStyle/>
-          <a:p>
-            <a:pPr algn="ctr"/>
-            <a:r>
-              <a:rPr lang="en-US" dirty="0" smtClean="0"/>
-              <a:t>PBKDF2</a:t>
-            </a:r>
-            <a:endParaRPr lang="en-US" dirty="0"/>
-          </a:p>
-        </p:txBody>
-      </p:sp>
-      <p:pic>
-        <p:nvPicPr>
-          <p:cNvPr id="13" name="Picture 2" descr="http://images.clipartpanda.com/salt-clipart-salt-of-the-earth.jpg"/>
-          <p:cNvPicPr>
-            <a:picLocks noChangeAspect="1" noChangeArrowheads="1"/>
-          </p:cNvPicPr>
-          <p:nvPr/>
-        </p:nvPicPr>
-        <p:blipFill>
-          <a:blip r:embed="rId2">
-            <a:extLst>
-              <a:ext uri="{28A0092B-C50C-407E-A947-70E740481C1C}">
-                <a14:useLocalDpi xmlns:a14="http://schemas.microsoft.com/office/drawing/2010/main" val="0"/>
-              </a:ext>
-            </a:extLst>
-          </a:blip>
-          <a:srcRect/>
-          <a:stretch>
-            <a:fillRect/>
-          </a:stretch>
-        </p:blipFill>
-        <p:spPr bwMode="auto">
-          <a:xfrm flipH="1">
-            <a:off x="9330690" y="1964106"/>
-            <a:ext cx="947420" cy="1349636"/>
-          </a:xfrm>
-          <a:prstGeom prst="rect">
-            <a:avLst/>
-          </a:prstGeom>
-          <a:noFill/>
-          <a:extLst>
-            <a:ext uri="{909E8E84-426E-40DD-AFC4-6F175D3DCCD1}">
-              <a14:hiddenFill xmlns:a14="http://schemas.microsoft.com/office/drawing/2010/main">
-                <a:solidFill>
-                  <a:srgbClr val="FFFFFF"/>
-                </a:solidFill>
-              </a14:hiddenFill>
-            </a:ext>
-          </a:extLst>
-        </p:spPr>
-      </p:pic>
-      <p:pic>
-        <p:nvPicPr>
-          <p:cNvPr id="3074" name="Picture 2" descr="http://www.coffeecup.com/images/icons/applications/password-wizard_128x128.png"/>
-          <p:cNvPicPr>
-            <a:picLocks noChangeAspect="1" noChangeArrowheads="1"/>
-          </p:cNvPicPr>
-          <p:nvPr/>
-        </p:nvPicPr>
-        <p:blipFill>
-          <a:blip r:embed="rId3">
-            <a:extLst>
-              <a:ext uri="{28A0092B-C50C-407E-A947-70E740481C1C}">
-                <a14:useLocalDpi xmlns:a14="http://schemas.microsoft.com/office/drawing/2010/main" val="0"/>
-              </a:ext>
-            </a:extLst>
-          </a:blip>
-          <a:srcRect/>
-          <a:stretch>
-            <a:fillRect/>
-          </a:stretch>
-        </p:blipFill>
-        <p:spPr bwMode="auto">
-          <a:xfrm>
-            <a:off x="6745134" y="2650423"/>
-            <a:ext cx="1927225" cy="1927225"/>
-          </a:xfrm>
-          <a:prstGeom prst="rect">
-            <a:avLst/>
-          </a:prstGeom>
-          <a:noFill/>
-          <a:extLst>
-            <a:ext uri="{909E8E84-426E-40DD-AFC4-6F175D3DCCD1}">
-              <a14:hiddenFill xmlns:a14="http://schemas.microsoft.com/office/drawing/2010/main">
-                <a:solidFill>
-                  <a:srgbClr val="FFFFFF"/>
-                </a:solidFill>
-              </a14:hiddenFill>
-            </a:ext>
-          </a:extLst>
-        </p:spPr>
-      </p:pic>
-      <p:pic>
-        <p:nvPicPr>
-          <p:cNvPr id="3076" name="Picture 4" descr="http://cdn.marketplaceimages.windowsphone.com/v8/images/4e3577aa-5f44-4551-834b-ecb48023acae?imageType=ws_icon_large"/>
-          <p:cNvPicPr>
-            <a:picLocks noChangeAspect="1" noChangeArrowheads="1"/>
-          </p:cNvPicPr>
-          <p:nvPr/>
-        </p:nvPicPr>
-        <p:blipFill>
-          <a:blip r:embed="rId4">
-            <a:extLst>
-              <a:ext uri="{28A0092B-C50C-407E-A947-70E740481C1C}">
-                <a14:useLocalDpi xmlns:a14="http://schemas.microsoft.com/office/drawing/2010/main" val="0"/>
-              </a:ext>
-            </a:extLst>
-          </a:blip>
-          <a:srcRect/>
-          <a:stretch>
-            <a:fillRect/>
-          </a:stretch>
-        </p:blipFill>
-        <p:spPr bwMode="auto">
-          <a:xfrm>
-            <a:off x="3122049" y="3961442"/>
-            <a:ext cx="2400300" cy="2400301"/>
-          </a:xfrm>
-          <a:prstGeom prst="rect">
-            <a:avLst/>
-          </a:prstGeom>
-          <a:noFill/>
-          <a:extLst>
-            <a:ext uri="{909E8E84-426E-40DD-AFC4-6F175D3DCCD1}">
-              <a14:hiddenFill xmlns:a14="http://schemas.microsoft.com/office/drawing/2010/main">
-                <a:solidFill>
-                  <a:srgbClr val="FFFFFF"/>
-                </a:solidFill>
-              </a14:hiddenFill>
-            </a:ext>
-          </a:extLst>
-        </p:spPr>
-      </p:pic>
+          <p:cNvPr id="4" name="Footer Placeholder 3"/>
+          <p:cNvSpPr>
+            <a:spLocks noGrp="1"/>
+          </p:cNvSpPr>
+          <p:nvPr>
+            <p:ph type="ftr" sz="quarter" idx="11"/>
+          </p:nvPr>
+        </p:nvSpPr>
+        <p:spPr/>
+        <p:txBody>
+          <a:bodyPr/>
+          <a:lstStyle/>
+          <a:p>
+            <a:r>
+              <a:rPr lang="en-US" smtClean="0"/>
+              <a:t>Kryptose™</a:t>
+            </a:r>
+            <a:endParaRPr lang="en-US" dirty="0"/>
+          </a:p>
+        </p:txBody>
+      </p:sp>
+      <p:sp>
+        <p:nvSpPr>
+          <p:cNvPr id="5" name="Slide Number Placeholder 4"/>
+          <p:cNvSpPr>
+            <a:spLocks noGrp="1"/>
+          </p:cNvSpPr>
+          <p:nvPr>
+            <p:ph type="sldNum" sz="quarter" idx="12"/>
+          </p:nvPr>
+        </p:nvSpPr>
+        <p:spPr/>
+        <p:txBody>
+          <a:bodyPr/>
+          <a:lstStyle/>
+          <a:p>
+            <a:fld id="{4CE482DC-2269-4F26-9D2A-7E44B1A4CD85}" type="slidenum">
+              <a:rPr lang="en-US" smtClean="0"/>
+              <a:t>9</a:t>
+            </a:fld>
+            <a:endParaRPr lang="en-US" dirty="0"/>
+          </a:p>
+        </p:txBody>
+      </p:sp>
     </p:spTree>
     <p:extLst>
       <p:ext uri="{BB962C8B-B14F-4D97-AF65-F5344CB8AC3E}">
-        <p14:creationId xmlns:p14="http://schemas.microsoft.com/office/powerpoint/2010/main" val="1127688121"/>
+        <p14:creationId xmlns:p14="http://schemas.microsoft.com/office/powerpoint/2010/main" val="543699916"/>
       </p:ext>
     </p:extLst>
   </p:cSld>
